--- a/Checkpoint 1.pptx
+++ b/Checkpoint 1.pptx
@@ -5365,7 +5365,7 @@
           <a:p>
             <a:r>
               <a:rPr lang="pt-PT" dirty="0"/>
-              <a:t>Estrutura de autorização que permite que os aplicativos obtenham acesso limitado às contas de usuários em um serviço HTTP.</a:t>
+              <a:t>Estrutura de autorização que permite que as aplicações obtenham acesso limitado às contas de usuários em um serviço HTTP.</a:t>
             </a:r>
           </a:p>
           <a:p>
@@ -5870,7 +5870,12 @@
             <p:ph type="title"/>
           </p:nvPr>
         </p:nvSpPr>
-        <p:spPr/>
+        <p:spPr>
+          <a:xfrm>
+            <a:off x="457200" y="277815"/>
+            <a:ext cx="8229600" cy="1139825"/>
+          </a:xfrm>
+        </p:spPr>
         <p:txBody>
           <a:bodyPr/>
           <a:lstStyle/>
@@ -5891,25 +5896,784 @@
           </a:p>
         </p:txBody>
       </p:sp>
-      <p:sp>
-        <p:nvSpPr>
-          <p:cNvPr id="18435" name="Rectangle 3"/>
-          <p:cNvSpPr>
-            <a:spLocks noGrp="1" noChangeArrowheads="1"/>
-          </p:cNvSpPr>
-          <p:nvPr>
-            <p:ph type="body" idx="1"/>
-          </p:nvPr>
-        </p:nvSpPr>
-        <p:spPr/>
-        <p:txBody>
-          <a:bodyPr/>
-          <a:lstStyle/>
-          <a:p>
-            <a:endParaRPr lang="pt-PT" dirty="0"/>
-          </a:p>
-        </p:txBody>
-      </p:sp>
+      <p:pic>
+        <p:nvPicPr>
+          <p:cNvPr id="2" name="Imagem 1">
+            <a:extLst>
+              <a:ext uri="{FF2B5EF4-FFF2-40B4-BE49-F238E27FC236}">
+                <a16:creationId xmlns:a16="http://schemas.microsoft.com/office/drawing/2014/main" id="{5DB6A7EF-8D65-4C2B-B177-160ADE73084F}"/>
+              </a:ext>
+            </a:extLst>
+          </p:cNvPr>
+          <p:cNvPicPr>
+            <a:picLocks noChangeAspect="1"/>
+          </p:cNvPicPr>
+          <p:nvPr/>
+        </p:nvPicPr>
+        <p:blipFill rotWithShape="1">
+          <a:blip r:embed="rId2"/>
+          <a:srcRect t="17609" b="13478"/>
+          <a:stretch/>
+        </p:blipFill>
+        <p:spPr>
+          <a:xfrm>
+            <a:off x="1156191" y="3573016"/>
+            <a:ext cx="2119665" cy="736298"/>
+          </a:xfrm>
+          <a:prstGeom prst="rect">
+            <a:avLst/>
+          </a:prstGeom>
+        </p:spPr>
+      </p:pic>
+      <p:pic>
+        <p:nvPicPr>
+          <p:cNvPr id="3" name="Imagem 2">
+            <a:extLst>
+              <a:ext uri="{FF2B5EF4-FFF2-40B4-BE49-F238E27FC236}">
+                <a16:creationId xmlns:a16="http://schemas.microsoft.com/office/drawing/2014/main" id="{640D5734-4CB1-4725-B470-7602841E5310}"/>
+              </a:ext>
+            </a:extLst>
+          </p:cNvPr>
+          <p:cNvPicPr>
+            <a:picLocks noChangeAspect="1"/>
+          </p:cNvPicPr>
+          <p:nvPr/>
+        </p:nvPicPr>
+        <p:blipFill>
+          <a:blip r:embed="rId3"/>
+          <a:stretch>
+            <a:fillRect/>
+          </a:stretch>
+        </p:blipFill>
+        <p:spPr>
+          <a:xfrm>
+            <a:off x="1111999" y="2342532"/>
+            <a:ext cx="2157156" cy="640035"/>
+          </a:xfrm>
+          <a:prstGeom prst="rect">
+            <a:avLst/>
+          </a:prstGeom>
+        </p:spPr>
+      </p:pic>
+      <p:pic>
+        <p:nvPicPr>
+          <p:cNvPr id="4" name="Imagem 3">
+            <a:extLst>
+              <a:ext uri="{FF2B5EF4-FFF2-40B4-BE49-F238E27FC236}">
+                <a16:creationId xmlns:a16="http://schemas.microsoft.com/office/drawing/2014/main" id="{D034C6FD-9587-44BC-9282-30EC01D88988}"/>
+              </a:ext>
+            </a:extLst>
+          </p:cNvPr>
+          <p:cNvPicPr>
+            <a:picLocks noChangeAspect="1"/>
+          </p:cNvPicPr>
+          <p:nvPr/>
+        </p:nvPicPr>
+        <p:blipFill>
+          <a:blip r:embed="rId4"/>
+          <a:stretch>
+            <a:fillRect/>
+          </a:stretch>
+        </p:blipFill>
+        <p:spPr>
+          <a:xfrm>
+            <a:off x="1092783" y="4610332"/>
+            <a:ext cx="2327089" cy="1617611"/>
+          </a:xfrm>
+          <a:prstGeom prst="rect">
+            <a:avLst/>
+          </a:prstGeom>
+        </p:spPr>
+      </p:pic>
+      <p:pic>
+        <p:nvPicPr>
+          <p:cNvPr id="5" name="Imagem 4">
+            <a:extLst>
+              <a:ext uri="{FF2B5EF4-FFF2-40B4-BE49-F238E27FC236}">
+                <a16:creationId xmlns:a16="http://schemas.microsoft.com/office/drawing/2014/main" id="{83DEBAD1-2A2B-497B-89BB-CD4DA2252615}"/>
+              </a:ext>
+            </a:extLst>
+          </p:cNvPr>
+          <p:cNvPicPr>
+            <a:picLocks noChangeAspect="1"/>
+          </p:cNvPicPr>
+          <p:nvPr/>
+        </p:nvPicPr>
+        <p:blipFill>
+          <a:blip r:embed="rId5"/>
+          <a:stretch>
+            <a:fillRect/>
+          </a:stretch>
+        </p:blipFill>
+        <p:spPr>
+          <a:xfrm>
+            <a:off x="4294374" y="2825816"/>
+            <a:ext cx="1101868" cy="2247809"/>
+          </a:xfrm>
+          <a:prstGeom prst="rect">
+            <a:avLst/>
+          </a:prstGeom>
+        </p:spPr>
+      </p:pic>
+      <p:pic>
+        <p:nvPicPr>
+          <p:cNvPr id="8" name="Picture 2" descr="Resultado de imagem para facebook">
+            <a:extLst>
+              <a:ext uri="{FF2B5EF4-FFF2-40B4-BE49-F238E27FC236}">
+                <a16:creationId xmlns:a16="http://schemas.microsoft.com/office/drawing/2014/main" id="{CA5A4716-EEA2-47A3-B526-31B21156DA64}"/>
+              </a:ext>
+            </a:extLst>
+          </p:cNvPr>
+          <p:cNvPicPr>
+            <a:picLocks noChangeAspect="1" noChangeArrowheads="1"/>
+          </p:cNvPicPr>
+          <p:nvPr/>
+        </p:nvPicPr>
+        <p:blipFill>
+          <a:blip r:embed="rId6" cstate="print">
+            <a:extLst>
+              <a:ext uri="{28A0092B-C50C-407E-A947-70E740481C1C}">
+                <a14:useLocalDpi xmlns:a14="http://schemas.microsoft.com/office/drawing/2010/main" val="0"/>
+              </a:ext>
+            </a:extLst>
+          </a:blip>
+          <a:srcRect/>
+          <a:stretch>
+            <a:fillRect/>
+          </a:stretch>
+        </p:blipFill>
+        <p:spPr bwMode="auto">
+          <a:xfrm>
+            <a:off x="6707319" y="1851704"/>
+            <a:ext cx="799961" cy="799961"/>
+          </a:xfrm>
+          <a:prstGeom prst="rect">
+            <a:avLst/>
+          </a:prstGeom>
+          <a:noFill/>
+          <a:extLst>
+            <a:ext uri="{909E8E84-426E-40DD-AFC4-6F175D3DCCD1}">
+              <a14:hiddenFill xmlns:a14="http://schemas.microsoft.com/office/drawing/2010/main">
+                <a:solidFill>
+                  <a:srgbClr val="FFFFFF"/>
+                </a:solidFill>
+              </a14:hiddenFill>
+            </a:ext>
+          </a:extLst>
+        </p:spPr>
+      </p:pic>
+      <p:pic>
+        <p:nvPicPr>
+          <p:cNvPr id="9" name="Picture 4" descr="Resultado de imagem para github">
+            <a:extLst>
+              <a:ext uri="{FF2B5EF4-FFF2-40B4-BE49-F238E27FC236}">
+                <a16:creationId xmlns:a16="http://schemas.microsoft.com/office/drawing/2014/main" id="{637EA6D4-372E-48B2-8052-59B517C62A84}"/>
+              </a:ext>
+            </a:extLst>
+          </p:cNvPr>
+          <p:cNvPicPr>
+            <a:picLocks noChangeAspect="1" noChangeArrowheads="1"/>
+          </p:cNvPicPr>
+          <p:nvPr/>
+        </p:nvPicPr>
+        <p:blipFill>
+          <a:blip r:embed="rId7" cstate="print">
+            <a:extLst>
+              <a:ext uri="{28A0092B-C50C-407E-A947-70E740481C1C}">
+                <a14:useLocalDpi xmlns:a14="http://schemas.microsoft.com/office/drawing/2010/main" val="0"/>
+              </a:ext>
+            </a:extLst>
+          </a:blip>
+          <a:srcRect/>
+          <a:stretch>
+            <a:fillRect/>
+          </a:stretch>
+        </p:blipFill>
+        <p:spPr bwMode="auto">
+          <a:xfrm>
+            <a:off x="6228184" y="5180398"/>
+            <a:ext cx="1948883" cy="1023164"/>
+          </a:xfrm>
+          <a:prstGeom prst="rect">
+            <a:avLst/>
+          </a:prstGeom>
+          <a:noFill/>
+          <a:extLst>
+            <a:ext uri="{909E8E84-426E-40DD-AFC4-6F175D3DCCD1}">
+              <a14:hiddenFill xmlns:a14="http://schemas.microsoft.com/office/drawing/2010/main">
+                <a:solidFill>
+                  <a:srgbClr val="FFFFFF"/>
+                </a:solidFill>
+              </a14:hiddenFill>
+            </a:ext>
+          </a:extLst>
+        </p:spPr>
+      </p:pic>
+      <p:pic>
+        <p:nvPicPr>
+          <p:cNvPr id="10" name="Picture 6" descr="Resultado de imagem para google">
+            <a:extLst>
+              <a:ext uri="{FF2B5EF4-FFF2-40B4-BE49-F238E27FC236}">
+                <a16:creationId xmlns:a16="http://schemas.microsoft.com/office/drawing/2014/main" id="{F48585E8-EB9E-45B0-B494-0106D3EA61A2}"/>
+              </a:ext>
+            </a:extLst>
+          </p:cNvPr>
+          <p:cNvPicPr>
+            <a:picLocks noChangeAspect="1" noChangeArrowheads="1"/>
+          </p:cNvPicPr>
+          <p:nvPr/>
+        </p:nvPicPr>
+        <p:blipFill>
+          <a:blip r:embed="rId8" cstate="print">
+            <a:extLst>
+              <a:ext uri="{28A0092B-C50C-407E-A947-70E740481C1C}">
+                <a14:useLocalDpi xmlns:a14="http://schemas.microsoft.com/office/drawing/2010/main" val="0"/>
+              </a:ext>
+            </a:extLst>
+          </a:blip>
+          <a:srcRect/>
+          <a:stretch>
+            <a:fillRect/>
+          </a:stretch>
+        </p:blipFill>
+        <p:spPr bwMode="auto">
+          <a:xfrm>
+            <a:off x="6684641" y="4085488"/>
+            <a:ext cx="939120" cy="939120"/>
+          </a:xfrm>
+          <a:prstGeom prst="rect">
+            <a:avLst/>
+          </a:prstGeom>
+          <a:noFill/>
+          <a:extLst>
+            <a:ext uri="{909E8E84-426E-40DD-AFC4-6F175D3DCCD1}">
+              <a14:hiddenFill xmlns:a14="http://schemas.microsoft.com/office/drawing/2010/main">
+                <a:solidFill>
+                  <a:srgbClr val="FFFFFF"/>
+                </a:solidFill>
+              </a14:hiddenFill>
+            </a:ext>
+          </a:extLst>
+        </p:spPr>
+      </p:pic>
+      <p:pic>
+        <p:nvPicPr>
+          <p:cNvPr id="11" name="Picture 8" descr="Resultado de imagem para twitter">
+            <a:extLst>
+              <a:ext uri="{FF2B5EF4-FFF2-40B4-BE49-F238E27FC236}">
+                <a16:creationId xmlns:a16="http://schemas.microsoft.com/office/drawing/2014/main" id="{7566F0BF-72DD-4F91-84A7-8BAE6DF83D6C}"/>
+              </a:ext>
+            </a:extLst>
+          </p:cNvPr>
+          <p:cNvPicPr>
+            <a:picLocks noChangeAspect="1" noChangeArrowheads="1"/>
+          </p:cNvPicPr>
+          <p:nvPr/>
+        </p:nvPicPr>
+        <p:blipFill>
+          <a:blip r:embed="rId9" cstate="print">
+            <a:extLst>
+              <a:ext uri="{28A0092B-C50C-407E-A947-70E740481C1C}">
+                <a14:useLocalDpi xmlns:a14="http://schemas.microsoft.com/office/drawing/2010/main" val="0"/>
+              </a:ext>
+            </a:extLst>
+          </a:blip>
+          <a:srcRect/>
+          <a:stretch>
+            <a:fillRect/>
+          </a:stretch>
+        </p:blipFill>
+        <p:spPr bwMode="auto">
+          <a:xfrm>
+            <a:off x="6603267" y="2963157"/>
+            <a:ext cx="1101868" cy="890731"/>
+          </a:xfrm>
+          <a:prstGeom prst="rect">
+            <a:avLst/>
+          </a:prstGeom>
+          <a:noFill/>
+          <a:extLst>
+            <a:ext uri="{909E8E84-426E-40DD-AFC4-6F175D3DCCD1}">
+              <a14:hiddenFill xmlns:a14="http://schemas.microsoft.com/office/drawing/2010/main">
+                <a:solidFill>
+                  <a:srgbClr val="FFFFFF"/>
+                </a:solidFill>
+              </a14:hiddenFill>
+            </a:ext>
+          </a:extLst>
+        </p:spPr>
+      </p:pic>
+      <p:cxnSp>
+        <p:nvCxnSpPr>
+          <p:cNvPr id="7" name="Conexão reta unidirecional 6">
+            <a:extLst>
+              <a:ext uri="{FF2B5EF4-FFF2-40B4-BE49-F238E27FC236}">
+                <a16:creationId xmlns:a16="http://schemas.microsoft.com/office/drawing/2014/main" id="{D954E17F-ED34-4470-81F0-8E183A9A9117}"/>
+              </a:ext>
+            </a:extLst>
+          </p:cNvPr>
+          <p:cNvCxnSpPr>
+            <a:cxnSpLocks/>
+          </p:cNvCxnSpPr>
+          <p:nvPr/>
+        </p:nvCxnSpPr>
+        <p:spPr bwMode="auto">
+          <a:xfrm>
+            <a:off x="3439834" y="2780928"/>
+            <a:ext cx="750680" cy="880612"/>
+          </a:xfrm>
+          <a:prstGeom prst="straightConnector1">
+            <a:avLst/>
+          </a:prstGeom>
+          <a:ln>
+            <a:headEnd type="triangle"/>
+            <a:tailEnd type="triangle"/>
+          </a:ln>
+          <a:extLst>
+            <a:ext uri="{AF507438-7753-43E0-B8FC-AC1667EBCBE1}">
+              <a14:hiddenEffects xmlns:a14="http://schemas.microsoft.com/office/drawing/2010/main">
+                <a:effectLst>
+                  <a:outerShdw dist="35921" dir="2700000" algn="ctr" rotWithShape="0">
+                    <a:schemeClr val="bg2"/>
+                  </a:outerShdw>
+                </a:effectLst>
+              </a14:hiddenEffects>
+            </a:ext>
+          </a:extLst>
+        </p:spPr>
+        <p:style>
+          <a:lnRef idx="2">
+            <a:schemeClr val="dk1"/>
+          </a:lnRef>
+          <a:fillRef idx="0">
+            <a:schemeClr val="dk1"/>
+          </a:fillRef>
+          <a:effectRef idx="1">
+            <a:schemeClr val="dk1"/>
+          </a:effectRef>
+          <a:fontRef idx="minor">
+            <a:schemeClr val="tx1"/>
+          </a:fontRef>
+        </p:style>
+      </p:cxnSp>
+      <p:cxnSp>
+        <p:nvCxnSpPr>
+          <p:cNvPr id="14" name="Conexão reta unidirecional 13">
+            <a:extLst>
+              <a:ext uri="{FF2B5EF4-FFF2-40B4-BE49-F238E27FC236}">
+                <a16:creationId xmlns:a16="http://schemas.microsoft.com/office/drawing/2014/main" id="{741F5E59-2AC0-4EAD-BF32-EFD8BF79B75F}"/>
+              </a:ext>
+            </a:extLst>
+          </p:cNvPr>
+          <p:cNvCxnSpPr>
+            <a:cxnSpLocks/>
+          </p:cNvCxnSpPr>
+          <p:nvPr/>
+        </p:nvCxnSpPr>
+        <p:spPr bwMode="auto">
+          <a:xfrm>
+            <a:off x="3379949" y="3949721"/>
+            <a:ext cx="816449" cy="0"/>
+          </a:xfrm>
+          <a:prstGeom prst="straightConnector1">
+            <a:avLst/>
+          </a:prstGeom>
+          <a:ln>
+            <a:headEnd type="triangle"/>
+            <a:tailEnd type="triangle"/>
+          </a:ln>
+          <a:extLst>
+            <a:ext uri="{AF507438-7753-43E0-B8FC-AC1667EBCBE1}">
+              <a14:hiddenEffects xmlns:a14="http://schemas.microsoft.com/office/drawing/2010/main">
+                <a:effectLst>
+                  <a:outerShdw dist="35921" dir="2700000" algn="ctr" rotWithShape="0">
+                    <a:schemeClr val="bg2"/>
+                  </a:outerShdw>
+                </a:effectLst>
+              </a14:hiddenEffects>
+            </a:ext>
+          </a:extLst>
+        </p:spPr>
+        <p:style>
+          <a:lnRef idx="2">
+            <a:schemeClr val="dk1"/>
+          </a:lnRef>
+          <a:fillRef idx="0">
+            <a:schemeClr val="dk1"/>
+          </a:fillRef>
+          <a:effectRef idx="1">
+            <a:schemeClr val="dk1"/>
+          </a:effectRef>
+          <a:fontRef idx="minor">
+            <a:schemeClr val="tx1"/>
+          </a:fontRef>
+        </p:style>
+      </p:cxnSp>
+      <p:cxnSp>
+        <p:nvCxnSpPr>
+          <p:cNvPr id="17" name="Conexão reta unidirecional 16">
+            <a:extLst>
+              <a:ext uri="{FF2B5EF4-FFF2-40B4-BE49-F238E27FC236}">
+                <a16:creationId xmlns:a16="http://schemas.microsoft.com/office/drawing/2014/main" id="{84C7E4B9-3C6F-428F-B17C-FCE615945012}"/>
+              </a:ext>
+            </a:extLst>
+          </p:cNvPr>
+          <p:cNvCxnSpPr>
+            <a:cxnSpLocks/>
+          </p:cNvCxnSpPr>
+          <p:nvPr/>
+        </p:nvCxnSpPr>
+        <p:spPr bwMode="auto">
+          <a:xfrm flipV="1">
+            <a:off x="3484702" y="4472391"/>
+            <a:ext cx="642318" cy="756809"/>
+          </a:xfrm>
+          <a:prstGeom prst="straightConnector1">
+            <a:avLst/>
+          </a:prstGeom>
+          <a:ln>
+            <a:headEnd type="triangle"/>
+            <a:tailEnd type="triangle"/>
+          </a:ln>
+          <a:extLst>
+            <a:ext uri="{AF507438-7753-43E0-B8FC-AC1667EBCBE1}">
+              <a14:hiddenEffects xmlns:a14="http://schemas.microsoft.com/office/drawing/2010/main">
+                <a:effectLst>
+                  <a:outerShdw dist="35921" dir="2700000" algn="ctr" rotWithShape="0">
+                    <a:schemeClr val="bg2"/>
+                  </a:outerShdw>
+                </a:effectLst>
+              </a14:hiddenEffects>
+            </a:ext>
+          </a:extLst>
+        </p:spPr>
+        <p:style>
+          <a:lnRef idx="2">
+            <a:schemeClr val="dk1"/>
+          </a:lnRef>
+          <a:fillRef idx="0">
+            <a:schemeClr val="dk1"/>
+          </a:fillRef>
+          <a:effectRef idx="1">
+            <a:schemeClr val="dk1"/>
+          </a:effectRef>
+          <a:fontRef idx="minor">
+            <a:schemeClr val="tx1"/>
+          </a:fontRef>
+        </p:style>
+      </p:cxnSp>
+      <p:cxnSp>
+        <p:nvCxnSpPr>
+          <p:cNvPr id="23" name="Conexão reta unidirecional 22">
+            <a:extLst>
+              <a:ext uri="{FF2B5EF4-FFF2-40B4-BE49-F238E27FC236}">
+                <a16:creationId xmlns:a16="http://schemas.microsoft.com/office/drawing/2014/main" id="{A15645E1-1885-4E39-9330-D2BF9BF3C7E1}"/>
+              </a:ext>
+            </a:extLst>
+          </p:cNvPr>
+          <p:cNvCxnSpPr>
+            <a:cxnSpLocks/>
+          </p:cNvCxnSpPr>
+          <p:nvPr/>
+        </p:nvCxnSpPr>
+        <p:spPr bwMode="auto">
+          <a:xfrm flipV="1">
+            <a:off x="5540932" y="2471354"/>
+            <a:ext cx="759260" cy="1157453"/>
+          </a:xfrm>
+          <a:prstGeom prst="straightConnector1">
+            <a:avLst/>
+          </a:prstGeom>
+          <a:ln>
+            <a:headEnd type="triangle"/>
+            <a:tailEnd type="triangle"/>
+          </a:ln>
+          <a:extLst>
+            <a:ext uri="{AF507438-7753-43E0-B8FC-AC1667EBCBE1}">
+              <a14:hiddenEffects xmlns:a14="http://schemas.microsoft.com/office/drawing/2010/main">
+                <a:effectLst>
+                  <a:outerShdw dist="35921" dir="2700000" algn="ctr" rotWithShape="0">
+                    <a:schemeClr val="bg2"/>
+                  </a:outerShdw>
+                </a:effectLst>
+              </a14:hiddenEffects>
+            </a:ext>
+          </a:extLst>
+        </p:spPr>
+        <p:style>
+          <a:lnRef idx="2">
+            <a:schemeClr val="dk1"/>
+          </a:lnRef>
+          <a:fillRef idx="0">
+            <a:schemeClr val="dk1"/>
+          </a:fillRef>
+          <a:effectRef idx="1">
+            <a:schemeClr val="dk1"/>
+          </a:effectRef>
+          <a:fontRef idx="minor">
+            <a:schemeClr val="tx1"/>
+          </a:fontRef>
+        </p:style>
+      </p:cxnSp>
+      <p:cxnSp>
+        <p:nvCxnSpPr>
+          <p:cNvPr id="27" name="Conexão reta unidirecional 26">
+            <a:extLst>
+              <a:ext uri="{FF2B5EF4-FFF2-40B4-BE49-F238E27FC236}">
+                <a16:creationId xmlns:a16="http://schemas.microsoft.com/office/drawing/2014/main" id="{C8A6057C-565F-4FC2-8F9E-47465547E29B}"/>
+              </a:ext>
+            </a:extLst>
+          </p:cNvPr>
+          <p:cNvCxnSpPr>
+            <a:cxnSpLocks/>
+          </p:cNvCxnSpPr>
+          <p:nvPr/>
+        </p:nvCxnSpPr>
+        <p:spPr bwMode="auto">
+          <a:xfrm flipV="1">
+            <a:off x="5558838" y="3526916"/>
+            <a:ext cx="741354" cy="417058"/>
+          </a:xfrm>
+          <a:prstGeom prst="straightConnector1">
+            <a:avLst/>
+          </a:prstGeom>
+          <a:ln>
+            <a:headEnd type="triangle"/>
+            <a:tailEnd type="triangle"/>
+          </a:ln>
+          <a:extLst>
+            <a:ext uri="{AF507438-7753-43E0-B8FC-AC1667EBCBE1}">
+              <a14:hiddenEffects xmlns:a14="http://schemas.microsoft.com/office/drawing/2010/main">
+                <a:effectLst>
+                  <a:outerShdw dist="35921" dir="2700000" algn="ctr" rotWithShape="0">
+                    <a:schemeClr val="bg2"/>
+                  </a:outerShdw>
+                </a:effectLst>
+              </a14:hiddenEffects>
+            </a:ext>
+          </a:extLst>
+        </p:spPr>
+        <p:style>
+          <a:lnRef idx="2">
+            <a:schemeClr val="dk1"/>
+          </a:lnRef>
+          <a:fillRef idx="0">
+            <a:schemeClr val="dk1"/>
+          </a:fillRef>
+          <a:effectRef idx="1">
+            <a:schemeClr val="dk1"/>
+          </a:effectRef>
+          <a:fontRef idx="minor">
+            <a:schemeClr val="tx1"/>
+          </a:fontRef>
+        </p:style>
+      </p:cxnSp>
+      <p:cxnSp>
+        <p:nvCxnSpPr>
+          <p:cNvPr id="29" name="Conexão reta unidirecional 28">
+            <a:extLst>
+              <a:ext uri="{FF2B5EF4-FFF2-40B4-BE49-F238E27FC236}">
+                <a16:creationId xmlns:a16="http://schemas.microsoft.com/office/drawing/2014/main" id="{6CA06BF6-F6E9-48DF-84FE-574DC4B7AB87}"/>
+              </a:ext>
+            </a:extLst>
+          </p:cNvPr>
+          <p:cNvCxnSpPr>
+            <a:cxnSpLocks/>
+          </p:cNvCxnSpPr>
+          <p:nvPr/>
+        </p:nvCxnSpPr>
+        <p:spPr bwMode="auto">
+          <a:xfrm>
+            <a:off x="5591830" y="4428794"/>
+            <a:ext cx="780370" cy="990343"/>
+          </a:xfrm>
+          <a:prstGeom prst="straightConnector1">
+            <a:avLst/>
+          </a:prstGeom>
+          <a:ln>
+            <a:headEnd type="triangle"/>
+            <a:tailEnd type="triangle"/>
+          </a:ln>
+          <a:extLst>
+            <a:ext uri="{AF507438-7753-43E0-B8FC-AC1667EBCBE1}">
+              <a14:hiddenEffects xmlns:a14="http://schemas.microsoft.com/office/drawing/2010/main">
+                <a:effectLst>
+                  <a:outerShdw dist="35921" dir="2700000" algn="ctr" rotWithShape="0">
+                    <a:schemeClr val="bg2"/>
+                  </a:outerShdw>
+                </a:effectLst>
+              </a14:hiddenEffects>
+            </a:ext>
+          </a:extLst>
+        </p:spPr>
+        <p:style>
+          <a:lnRef idx="2">
+            <a:schemeClr val="dk1"/>
+          </a:lnRef>
+          <a:fillRef idx="0">
+            <a:schemeClr val="dk1"/>
+          </a:fillRef>
+          <a:effectRef idx="1">
+            <a:schemeClr val="dk1"/>
+          </a:effectRef>
+          <a:fontRef idx="minor">
+            <a:schemeClr val="tx1"/>
+          </a:fontRef>
+        </p:style>
+      </p:cxnSp>
+      <p:cxnSp>
+        <p:nvCxnSpPr>
+          <p:cNvPr id="32" name="Conexão reta unidirecional 31">
+            <a:extLst>
+              <a:ext uri="{FF2B5EF4-FFF2-40B4-BE49-F238E27FC236}">
+                <a16:creationId xmlns:a16="http://schemas.microsoft.com/office/drawing/2014/main" id="{17A6C99A-7712-4A28-9D0C-C20A6816B2DD}"/>
+              </a:ext>
+            </a:extLst>
+          </p:cNvPr>
+          <p:cNvCxnSpPr>
+            <a:cxnSpLocks/>
+          </p:cNvCxnSpPr>
+          <p:nvPr/>
+        </p:nvCxnSpPr>
+        <p:spPr bwMode="auto">
+          <a:xfrm>
+            <a:off x="5560092" y="4221088"/>
+            <a:ext cx="812108" cy="288029"/>
+          </a:xfrm>
+          <a:prstGeom prst="straightConnector1">
+            <a:avLst/>
+          </a:prstGeom>
+          <a:ln>
+            <a:headEnd type="triangle"/>
+            <a:tailEnd type="triangle"/>
+          </a:ln>
+          <a:extLst>
+            <a:ext uri="{AF507438-7753-43E0-B8FC-AC1667EBCBE1}">
+              <a14:hiddenEffects xmlns:a14="http://schemas.microsoft.com/office/drawing/2010/main">
+                <a:effectLst>
+                  <a:outerShdw dist="35921" dir="2700000" algn="ctr" rotWithShape="0">
+                    <a:schemeClr val="bg2"/>
+                  </a:outerShdw>
+                </a:effectLst>
+              </a14:hiddenEffects>
+            </a:ext>
+          </a:extLst>
+        </p:spPr>
+        <p:style>
+          <a:lnRef idx="2">
+            <a:schemeClr val="dk1"/>
+          </a:lnRef>
+          <a:fillRef idx="0">
+            <a:schemeClr val="dk1"/>
+          </a:fillRef>
+          <a:effectRef idx="1">
+            <a:schemeClr val="dk1"/>
+          </a:effectRef>
+          <a:fontRef idx="minor">
+            <a:schemeClr val="tx1"/>
+          </a:fontRef>
+        </p:style>
+      </p:cxnSp>
+      <p:cxnSp>
+        <p:nvCxnSpPr>
+          <p:cNvPr id="47" name="Conexão reta unidirecional 46">
+            <a:extLst>
+              <a:ext uri="{FF2B5EF4-FFF2-40B4-BE49-F238E27FC236}">
+                <a16:creationId xmlns:a16="http://schemas.microsoft.com/office/drawing/2014/main" id="{31B9F131-13D0-474A-9B04-D6A5FFDC0EEC}"/>
+              </a:ext>
+            </a:extLst>
+          </p:cNvPr>
+          <p:cNvCxnSpPr>
+            <a:cxnSpLocks/>
+          </p:cNvCxnSpPr>
+          <p:nvPr/>
+        </p:nvCxnSpPr>
+        <p:spPr bwMode="auto">
+          <a:xfrm flipV="1">
+            <a:off x="4863442" y="5180398"/>
+            <a:ext cx="0" cy="511582"/>
+          </a:xfrm>
+          <a:prstGeom prst="straightConnector1">
+            <a:avLst/>
+          </a:prstGeom>
+          <a:ln>
+            <a:headEnd type="triangle"/>
+            <a:tailEnd type="triangle"/>
+          </a:ln>
+          <a:extLst>
+            <a:ext uri="{AF507438-7753-43E0-B8FC-AC1667EBCBE1}">
+              <a14:hiddenEffects xmlns:a14="http://schemas.microsoft.com/office/drawing/2010/main">
+                <a:effectLst>
+                  <a:outerShdw dist="35921" dir="2700000" algn="ctr" rotWithShape="0">
+                    <a:schemeClr val="bg2"/>
+                  </a:outerShdw>
+                </a:effectLst>
+              </a14:hiddenEffects>
+            </a:ext>
+          </a:extLst>
+        </p:spPr>
+        <p:style>
+          <a:lnRef idx="2">
+            <a:schemeClr val="dk1"/>
+          </a:lnRef>
+          <a:fillRef idx="0">
+            <a:schemeClr val="dk1"/>
+          </a:fillRef>
+          <a:effectRef idx="1">
+            <a:schemeClr val="dk1"/>
+          </a:effectRef>
+          <a:fontRef idx="minor">
+            <a:schemeClr val="tx1"/>
+          </a:fontRef>
+        </p:style>
+      </p:cxnSp>
+      <p:pic>
+        <p:nvPicPr>
+          <p:cNvPr id="1026" name="Picture 2" descr="Resultado de imagem para mongodb">
+            <a:extLst>
+              <a:ext uri="{FF2B5EF4-FFF2-40B4-BE49-F238E27FC236}">
+                <a16:creationId xmlns:a16="http://schemas.microsoft.com/office/drawing/2014/main" id="{7B4AD147-12C9-4D50-A945-DB8479568180}"/>
+              </a:ext>
+            </a:extLst>
+          </p:cNvPr>
+          <p:cNvPicPr>
+            <a:picLocks noChangeAspect="1" noChangeArrowheads="1"/>
+          </p:cNvPicPr>
+          <p:nvPr/>
+        </p:nvPicPr>
+        <p:blipFill>
+          <a:blip r:embed="rId10" cstate="print">
+            <a:extLst>
+              <a:ext uri="{28A0092B-C50C-407E-A947-70E740481C1C}">
+                <a14:useLocalDpi xmlns:a14="http://schemas.microsoft.com/office/drawing/2010/main" val="0"/>
+              </a:ext>
+            </a:extLst>
+          </a:blip>
+          <a:srcRect/>
+          <a:stretch>
+            <a:fillRect/>
+          </a:stretch>
+        </p:blipFill>
+        <p:spPr bwMode="auto">
+          <a:xfrm>
+            <a:off x="4490643" y="5798753"/>
+            <a:ext cx="781432" cy="781432"/>
+          </a:xfrm>
+          <a:prstGeom prst="rect">
+            <a:avLst/>
+          </a:prstGeom>
+          <a:noFill/>
+          <a:extLst>
+            <a:ext uri="{909E8E84-426E-40DD-AFC4-6F175D3DCCD1}">
+              <a14:hiddenFill xmlns:a14="http://schemas.microsoft.com/office/drawing/2010/main">
+                <a:solidFill>
+                  <a:srgbClr val="FFFFFF"/>
+                </a:solidFill>
+              </a14:hiddenFill>
+            </a:ext>
+          </a:extLst>
+        </p:spPr>
+      </p:pic>
     </p:spTree>
     <p:extLst>
       <p:ext uri="{BB962C8B-B14F-4D97-AF65-F5344CB8AC3E}">

--- a/Checkpoint 1.pptx
+++ b/Checkpoint 1.pptx
@@ -5,17 +5,19 @@
     <p:sldMasterId id="2147483657" r:id="rId2"/>
   </p:sldMasterIdLst>
   <p:notesMasterIdLst>
-    <p:notesMasterId r:id="rId11"/>
+    <p:notesMasterId r:id="rId13"/>
   </p:notesMasterIdLst>
   <p:sldIdLst>
     <p:sldId id="256" r:id="rId3"/>
     <p:sldId id="258" r:id="rId4"/>
-    <p:sldId id="261" r:id="rId5"/>
-    <p:sldId id="264" r:id="rId6"/>
-    <p:sldId id="262" r:id="rId7"/>
-    <p:sldId id="260" r:id="rId8"/>
-    <p:sldId id="259" r:id="rId9"/>
-    <p:sldId id="263" r:id="rId10"/>
+    <p:sldId id="266" r:id="rId5"/>
+    <p:sldId id="261" r:id="rId6"/>
+    <p:sldId id="264" r:id="rId7"/>
+    <p:sldId id="262" r:id="rId8"/>
+    <p:sldId id="260" r:id="rId9"/>
+    <p:sldId id="265" r:id="rId10"/>
+    <p:sldId id="259" r:id="rId11"/>
+    <p:sldId id="263" r:id="rId12"/>
   </p:sldIdLst>
   <p:sldSz cx="9144000" cy="6858000" type="screen4x3"/>
   <p:notesSz cx="7010400" cy="9296400"/>
@@ -852,7 +854,7 @@
             <a:fld id="{0CF00A4D-9BD9-44E9-AB76-CBFB976BDBCA}" type="slidenum">
               <a:rPr lang="en-US"/>
               <a:pPr/>
-              <a:t>8</a:t>
+              <a:t>10</a:t>
             </a:fld>
             <a:endParaRPr lang="en-US"/>
           </a:p>
@@ -5210,6 +5212,125 @@
 </p:sld>
 </file>
 
+<file path=ppt/slides/slide10.xml><?xml version="1.0" encoding="utf-8"?>
+<p:sld xmlns:a="http://schemas.openxmlformats.org/drawingml/2006/main" xmlns:r="http://schemas.openxmlformats.org/officeDocument/2006/relationships" xmlns:p="http://schemas.openxmlformats.org/presentationml/2006/main">
+  <p:cSld>
+    <p:spTree>
+      <p:nvGrpSpPr>
+        <p:cNvPr id="1" name=""/>
+        <p:cNvGrpSpPr/>
+        <p:nvPr/>
+      </p:nvGrpSpPr>
+      <p:grpSpPr>
+        <a:xfrm>
+          <a:off x="0" y="0"/>
+          <a:ext cx="0" cy="0"/>
+          <a:chOff x="0" y="0"/>
+          <a:chExt cx="0" cy="0"/>
+        </a:xfrm>
+      </p:grpSpPr>
+      <p:sp>
+        <p:nvSpPr>
+          <p:cNvPr id="2050" name="Rectangle 2"/>
+          <p:cNvSpPr>
+            <a:spLocks noGrp="1" noChangeArrowheads="1"/>
+          </p:cNvSpPr>
+          <p:nvPr>
+            <p:ph type="ctrTitle"/>
+          </p:nvPr>
+        </p:nvSpPr>
+        <p:spPr>
+          <a:xfrm>
+            <a:off x="539552" y="685800"/>
+            <a:ext cx="8064896" cy="2127250"/>
+          </a:xfrm>
+        </p:spPr>
+        <p:txBody>
+          <a:bodyPr/>
+          <a:lstStyle/>
+          <a:p>
+            <a:r>
+              <a:rPr lang="pt-PT" b="1" dirty="0">
+                <a:effectLst>
+                  <a:outerShdw blurRad="38100" dist="38100" dir="2700000" algn="tl">
+                    <a:srgbClr val="000000">
+                      <a:alpha val="43137"/>
+                    </a:srgbClr>
+                  </a:outerShdw>
+                </a:effectLst>
+              </a:rPr>
+              <a:t>Serviço de Autenticação Distribuído</a:t>
+            </a:r>
+          </a:p>
+        </p:txBody>
+      </p:sp>
+      <p:sp>
+        <p:nvSpPr>
+          <p:cNvPr id="2051" name="Rectangle 3"/>
+          <p:cNvSpPr>
+            <a:spLocks noGrp="1" noChangeArrowheads="1"/>
+          </p:cNvSpPr>
+          <p:nvPr>
+            <p:ph type="subTitle" idx="1"/>
+          </p:nvPr>
+        </p:nvSpPr>
+        <p:spPr>
+          <a:xfrm>
+            <a:off x="1371600" y="3429000"/>
+            <a:ext cx="6400800" cy="2209800"/>
+          </a:xfrm>
+        </p:spPr>
+        <p:txBody>
+          <a:bodyPr/>
+          <a:lstStyle/>
+          <a:p>
+            <a:r>
+              <a:rPr lang="pt-PT" b="1" dirty="0"/>
+              <a:t>André Vieira </a:t>
+            </a:r>
+            <a:r>
+              <a:rPr lang="pt-PT" dirty="0"/>
+              <a:t>A78322</a:t>
+            </a:r>
+          </a:p>
+          <a:p>
+            <a:r>
+              <a:rPr lang="pt-PT" b="1" dirty="0"/>
+              <a:t>Eduardo Rocha </a:t>
+            </a:r>
+            <a:r>
+              <a:rPr lang="pt-PT" dirty="0"/>
+              <a:t>A77048</a:t>
+            </a:r>
+          </a:p>
+          <a:p>
+            <a:r>
+              <a:rPr lang="pt-PT" b="1" dirty="0"/>
+              <a:t>Ricardo Neves </a:t>
+            </a:r>
+            <a:r>
+              <a:rPr lang="pt-PT" dirty="0"/>
+              <a:t>A78764</a:t>
+            </a:r>
+          </a:p>
+        </p:txBody>
+      </p:sp>
+    </p:spTree>
+    <p:extLst>
+      <p:ext uri="{BB962C8B-B14F-4D97-AF65-F5344CB8AC3E}">
+        <p14:creationId xmlns:p14="http://schemas.microsoft.com/office/powerpoint/2010/main" val="2207896625"/>
+      </p:ext>
+    </p:extLst>
+  </p:cSld>
+  <p:clrMapOvr>
+    <a:masterClrMapping/>
+  </p:clrMapOvr>
+  <p:transition spd="med">
+    <p:fade/>
+  </p:transition>
+</p:sld>
+</file>
+
 <file path=ppt/slides/slide2.xml><?xml version="1.0" encoding="utf-8"?>
 <p:sld xmlns:a="http://schemas.openxmlformats.org/drawingml/2006/main" xmlns:r="http://schemas.openxmlformats.org/officeDocument/2006/relationships" xmlns:p="http://schemas.openxmlformats.org/presentationml/2006/main">
   <p:cSld>
@@ -5268,12 +5389,56 @@
             <p:ph type="body" idx="1"/>
           </p:nvPr>
         </p:nvSpPr>
-        <p:spPr/>
+        <p:spPr>
+          <a:xfrm>
+            <a:off x="457200" y="2049460"/>
+            <a:ext cx="8229600" cy="4530725"/>
+          </a:xfrm>
+        </p:spPr>
         <p:txBody>
           <a:bodyPr/>
           <a:lstStyle/>
           <a:p>
-            <a:endParaRPr lang="pt-PT" dirty="0"/>
+            <a:pPr algn="ctr"/>
+            <a:r>
+              <a:rPr lang="pt-PT" dirty="0">
+                <a:effectLst>
+                  <a:outerShdw blurRad="38100" dist="38100" dir="2700000" algn="tl">
+                    <a:srgbClr val="000000">
+                      <a:alpha val="43137"/>
+                    </a:srgbClr>
+                  </a:outerShdw>
+                </a:effectLst>
+              </a:rPr>
+              <a:t>Com a existência de muitos serviços e aplicações que partilham o mesmo conjunto de utilizadores, a gestão da autenticação pode tornar-se um problema quando é feito individualmente.</a:t>
+            </a:r>
+          </a:p>
+          <a:p>
+            <a:pPr algn="ctr"/>
+            <a:endParaRPr lang="pt-PT" dirty="0">
+              <a:effectLst>
+                <a:outerShdw blurRad="38100" dist="38100" dir="2700000" algn="tl">
+                  <a:srgbClr val="000000">
+                    <a:alpha val="43137"/>
+                  </a:srgbClr>
+                </a:outerShdw>
+              </a:effectLst>
+            </a:endParaRPr>
+          </a:p>
+          <a:p>
+            <a:pPr algn="ctr"/>
+            <a:r>
+              <a:rPr lang="pt-PT" dirty="0">
+                <a:effectLst>
+                  <a:outerShdw blurRad="38100" dist="38100" dir="2700000" algn="tl">
+                    <a:srgbClr val="000000">
+                      <a:alpha val="43137"/>
+                    </a:srgbClr>
+                  </a:outerShdw>
+                </a:effectLst>
+              </a:rPr>
+              <a:t>Pretendemos implementar um serviço de autenticação que resolva este problema.</a:t>
+            </a:r>
           </a:p>
         </p:txBody>
       </p:sp>
@@ -5322,6 +5487,70 @@
           <a:p>
             <a:pPr algn="ctr"/>
             <a:r>
+              <a:rPr lang="pt-PT" b="1" dirty="0">
+                <a:effectLst>
+                  <a:outerShdw blurRad="38100" dist="38100" dir="2700000" algn="tl">
+                    <a:srgbClr val="000000">
+                      <a:alpha val="43137"/>
+                    </a:srgbClr>
+                  </a:outerShdw>
+                </a:effectLst>
+              </a:rPr>
+              <a:t>Diagrama de Gantt</a:t>
+            </a:r>
+          </a:p>
+        </p:txBody>
+      </p:sp>
+    </p:spTree>
+    <p:extLst>
+      <p:ext uri="{BB962C8B-B14F-4D97-AF65-F5344CB8AC3E}">
+        <p14:creationId xmlns:p14="http://schemas.microsoft.com/office/powerpoint/2010/main" val="567202736"/>
+      </p:ext>
+    </p:extLst>
+  </p:cSld>
+  <p:clrMapOvr>
+    <a:masterClrMapping/>
+  </p:clrMapOvr>
+  <p:transition spd="med">
+    <p:fade/>
+  </p:transition>
+</p:sld>
+</file>
+
+<file path=ppt/slides/slide4.xml><?xml version="1.0" encoding="utf-8"?>
+<p:sld xmlns:a="http://schemas.openxmlformats.org/drawingml/2006/main" xmlns:r="http://schemas.openxmlformats.org/officeDocument/2006/relationships" xmlns:p="http://schemas.openxmlformats.org/presentationml/2006/main">
+  <p:cSld>
+    <p:spTree>
+      <p:nvGrpSpPr>
+        <p:cNvPr id="1" name=""/>
+        <p:cNvGrpSpPr/>
+        <p:nvPr/>
+      </p:nvGrpSpPr>
+      <p:grpSpPr>
+        <a:xfrm>
+          <a:off x="0" y="0"/>
+          <a:ext cx="0" cy="0"/>
+          <a:chOff x="0" y="0"/>
+          <a:chExt cx="0" cy="0"/>
+        </a:xfrm>
+      </p:grpSpPr>
+      <p:sp>
+        <p:nvSpPr>
+          <p:cNvPr id="18434" name="Rectangle 2"/>
+          <p:cNvSpPr>
+            <a:spLocks noGrp="1" noChangeArrowheads="1"/>
+          </p:cNvSpPr>
+          <p:nvPr>
+            <p:ph type="title"/>
+          </p:nvPr>
+        </p:nvSpPr>
+        <p:spPr/>
+        <p:txBody>
+          <a:bodyPr/>
+          <a:lstStyle/>
+          <a:p>
+            <a:pPr algn="ctr"/>
+            <a:r>
               <a:rPr lang="pt-PT" b="1" dirty="0" err="1">
                 <a:effectLst>
                   <a:outerShdw blurRad="38100" dist="38100" dir="2700000" algn="tl">
@@ -5331,7 +5560,7 @@
                   </a:outerShdw>
                 </a:effectLst>
               </a:rPr>
-              <a:t>Oauth</a:t>
+              <a:t>OAuth</a:t>
             </a:r>
             <a:r>
               <a:rPr lang="pt-PT" b="1" dirty="0">
@@ -5364,7 +5593,15 @@
           <a:lstStyle/>
           <a:p>
             <a:r>
-              <a:rPr lang="pt-PT" dirty="0"/>
+              <a:rPr lang="pt-PT" dirty="0">
+                <a:effectLst>
+                  <a:outerShdw blurRad="38100" dist="38100" dir="2700000" algn="tl">
+                    <a:srgbClr val="000000">
+                      <a:alpha val="43137"/>
+                    </a:srgbClr>
+                  </a:outerShdw>
+                </a:effectLst>
+              </a:rPr>
               <a:t>Estrutura de autorização que permite que as aplicações obtenham acesso limitado às contas de usuários em um serviço HTTP.</a:t>
             </a:r>
           </a:p>
@@ -5372,29 +5609,69 @@
             <a:pPr marL="0" indent="0">
               <a:buNone/>
             </a:pPr>
-            <a:endParaRPr lang="pt-PT" dirty="0"/>
-          </a:p>
-          <a:p>
-            <a:r>
-              <a:rPr lang="pt-PT" dirty="0"/>
+            <a:endParaRPr lang="pt-PT" dirty="0">
+              <a:effectLst>
+                <a:outerShdw blurRad="38100" dist="38100" dir="2700000" algn="tl">
+                  <a:srgbClr val="000000">
+                    <a:alpha val="43137"/>
+                  </a:srgbClr>
+                </a:outerShdw>
+              </a:effectLst>
+            </a:endParaRPr>
+          </a:p>
+          <a:p>
+            <a:r>
+              <a:rPr lang="pt-PT" dirty="0">
+                <a:effectLst>
+                  <a:outerShdw blurRad="38100" dist="38100" dir="2700000" algn="tl">
+                    <a:srgbClr val="000000">
+                      <a:alpha val="43137"/>
+                    </a:srgbClr>
+                  </a:outerShdw>
+                </a:effectLst>
+              </a:rPr>
               <a:t>Proprietário do Recurso (Usuário)</a:t>
             </a:r>
           </a:p>
           <a:p>
             <a:r>
-              <a:rPr lang="pt-PT" dirty="0"/>
+              <a:rPr lang="pt-PT" dirty="0">
+                <a:effectLst>
+                  <a:outerShdw blurRad="38100" dist="38100" dir="2700000" algn="tl">
+                    <a:srgbClr val="000000">
+                      <a:alpha val="43137"/>
+                    </a:srgbClr>
+                  </a:outerShdw>
+                </a:effectLst>
+              </a:rPr>
               <a:t>Servidor de Autorização</a:t>
             </a:r>
           </a:p>
           <a:p>
             <a:r>
-              <a:rPr lang="pt-PT" dirty="0"/>
+              <a:rPr lang="pt-PT" dirty="0">
+                <a:effectLst>
+                  <a:outerShdw blurRad="38100" dist="38100" dir="2700000" algn="tl">
+                    <a:srgbClr val="000000">
+                      <a:alpha val="43137"/>
+                    </a:srgbClr>
+                  </a:outerShdw>
+                </a:effectLst>
+              </a:rPr>
               <a:t>Servidor de Recurso</a:t>
             </a:r>
           </a:p>
           <a:p>
             <a:r>
-              <a:rPr lang="pt-PT" dirty="0"/>
+              <a:rPr lang="pt-PT" dirty="0">
+                <a:effectLst>
+                  <a:outerShdw blurRad="38100" dist="38100" dir="2700000" algn="tl">
+                    <a:srgbClr val="000000">
+                      <a:alpha val="43137"/>
+                    </a:srgbClr>
+                  </a:outerShdw>
+                </a:effectLst>
+              </a:rPr>
               <a:t>Cliente (Aplicação)</a:t>
             </a:r>
           </a:p>
@@ -5463,7 +5740,7 @@
 </p:sld>
 </file>
 
-<file path=ppt/slides/slide4.xml><?xml version="1.0" encoding="utf-8"?>
+<file path=ppt/slides/slide5.xml><?xml version="1.0" encoding="utf-8"?>
 <p:sld xmlns:a="http://schemas.openxmlformats.org/drawingml/2006/main" xmlns:r="http://schemas.openxmlformats.org/officeDocument/2006/relationships" xmlns:p="http://schemas.openxmlformats.org/presentationml/2006/main">
   <p:cSld>
     <p:spTree>
@@ -5506,7 +5783,7 @@
                   </a:outerShdw>
                 </a:effectLst>
               </a:rPr>
-              <a:t>Oauth</a:t>
+              <a:t>OAuth</a:t>
             </a:r>
             <a:r>
               <a:rPr lang="pt-PT" b="1" dirty="0">
@@ -5586,7 +5863,7 @@
 </p:sld>
 </file>
 
-<file path=ppt/slides/slide5.xml><?xml version="1.0" encoding="utf-8"?>
+<file path=ppt/slides/slide6.xml><?xml version="1.0" encoding="utf-8"?>
 <p:sld xmlns:a="http://schemas.openxmlformats.org/drawingml/2006/main" xmlns:r="http://schemas.openxmlformats.org/officeDocument/2006/relationships" xmlns:p="http://schemas.openxmlformats.org/presentationml/2006/main">
   <p:cSld>
     <p:spTree>
@@ -5843,7 +6120,7 @@
 </p:sld>
 </file>
 
-<file path=ppt/slides/slide6.xml><?xml version="1.0" encoding="utf-8"?>
+<file path=ppt/slides/slide7.xml><?xml version="1.0" encoding="utf-8"?>
 <p:sld xmlns:a="http://schemas.openxmlformats.org/drawingml/2006/main" xmlns:r="http://schemas.openxmlformats.org/officeDocument/2006/relationships" xmlns:p="http://schemas.openxmlformats.org/presentationml/2006/main">
   <p:cSld>
     <p:spTree>
@@ -5927,66 +6204,6 @@
       </p:pic>
       <p:pic>
         <p:nvPicPr>
-          <p:cNvPr id="3" name="Imagem 2">
-            <a:extLst>
-              <a:ext uri="{FF2B5EF4-FFF2-40B4-BE49-F238E27FC236}">
-                <a16:creationId xmlns:a16="http://schemas.microsoft.com/office/drawing/2014/main" id="{640D5734-4CB1-4725-B470-7602841E5310}"/>
-              </a:ext>
-            </a:extLst>
-          </p:cNvPr>
-          <p:cNvPicPr>
-            <a:picLocks noChangeAspect="1"/>
-          </p:cNvPicPr>
-          <p:nvPr/>
-        </p:nvPicPr>
-        <p:blipFill>
-          <a:blip r:embed="rId3"/>
-          <a:stretch>
-            <a:fillRect/>
-          </a:stretch>
-        </p:blipFill>
-        <p:spPr>
-          <a:xfrm>
-            <a:off x="1111999" y="2342532"/>
-            <a:ext cx="2157156" cy="640035"/>
-          </a:xfrm>
-          <a:prstGeom prst="rect">
-            <a:avLst/>
-          </a:prstGeom>
-        </p:spPr>
-      </p:pic>
-      <p:pic>
-        <p:nvPicPr>
-          <p:cNvPr id="4" name="Imagem 3">
-            <a:extLst>
-              <a:ext uri="{FF2B5EF4-FFF2-40B4-BE49-F238E27FC236}">
-                <a16:creationId xmlns:a16="http://schemas.microsoft.com/office/drawing/2014/main" id="{D034C6FD-9587-44BC-9282-30EC01D88988}"/>
-              </a:ext>
-            </a:extLst>
-          </p:cNvPr>
-          <p:cNvPicPr>
-            <a:picLocks noChangeAspect="1"/>
-          </p:cNvPicPr>
-          <p:nvPr/>
-        </p:nvPicPr>
-        <p:blipFill>
-          <a:blip r:embed="rId4"/>
-          <a:stretch>
-            <a:fillRect/>
-          </a:stretch>
-        </p:blipFill>
-        <p:spPr>
-          <a:xfrm>
-            <a:off x="1092783" y="4610332"/>
-            <a:ext cx="2327089" cy="1617611"/>
-          </a:xfrm>
-          <a:prstGeom prst="rect">
-            <a:avLst/>
-          </a:prstGeom>
-        </p:spPr>
-      </p:pic>
-      <p:pic>
-        <p:nvPicPr>
           <p:cNvPr id="5" name="Imagem 4">
             <a:extLst>
               <a:ext uri="{FF2B5EF4-FFF2-40B4-BE49-F238E27FC236}">
@@ -6000,7 +6217,7 @@
           <p:nvPr/>
         </p:nvPicPr>
         <p:blipFill>
-          <a:blip r:embed="rId5"/>
+          <a:blip r:embed="rId3"/>
           <a:stretch>
             <a:fillRect/>
           </a:stretch>
@@ -6030,7 +6247,7 @@
           <p:nvPr/>
         </p:nvPicPr>
         <p:blipFill>
-          <a:blip r:embed="rId6" cstate="print">
+          <a:blip r:embed="rId4" cstate="print">
             <a:extLst>
               <a:ext uri="{28A0092B-C50C-407E-A947-70E740481C1C}">
                 <a14:useLocalDpi xmlns:a14="http://schemas.microsoft.com/office/drawing/2010/main" val="0"/>
@@ -6077,7 +6294,7 @@
           <p:nvPr/>
         </p:nvPicPr>
         <p:blipFill>
-          <a:blip r:embed="rId7" cstate="print">
+          <a:blip r:embed="rId5" cstate="print">
             <a:extLst>
               <a:ext uri="{28A0092B-C50C-407E-A947-70E740481C1C}">
                 <a14:useLocalDpi xmlns:a14="http://schemas.microsoft.com/office/drawing/2010/main" val="0"/>
@@ -6124,7 +6341,7 @@
           <p:nvPr/>
         </p:nvPicPr>
         <p:blipFill>
-          <a:blip r:embed="rId8" cstate="print">
+          <a:blip r:embed="rId6" cstate="print">
             <a:extLst>
               <a:ext uri="{28A0092B-C50C-407E-A947-70E740481C1C}">
                 <a14:useLocalDpi xmlns:a14="http://schemas.microsoft.com/office/drawing/2010/main" val="0"/>
@@ -6171,7 +6388,7 @@
           <p:nvPr/>
         </p:nvPicPr>
         <p:blipFill>
-          <a:blip r:embed="rId9" cstate="print">
+          <a:blip r:embed="rId7" cstate="print">
             <a:extLst>
               <a:ext uri="{28A0092B-C50C-407E-A947-70E740481C1C}">
                 <a14:useLocalDpi xmlns:a14="http://schemas.microsoft.com/office/drawing/2010/main" val="0"/>
@@ -6642,7 +6859,7 @@
           <p:nvPr/>
         </p:nvPicPr>
         <p:blipFill>
-          <a:blip r:embed="rId10" cstate="print">
+          <a:blip r:embed="rId8" cstate="print">
             <a:extLst>
               <a:ext uri="{28A0092B-C50C-407E-A947-70E740481C1C}">
                 <a14:useLocalDpi xmlns:a14="http://schemas.microsoft.com/office/drawing/2010/main" val="0"/>
@@ -6674,57 +6891,258 @@
           </a:extLst>
         </p:spPr>
       </p:pic>
-    </p:spTree>
-    <p:extLst>
-      <p:ext uri="{BB962C8B-B14F-4D97-AF65-F5344CB8AC3E}">
-        <p14:creationId xmlns:p14="http://schemas.microsoft.com/office/powerpoint/2010/main" val="3029479287"/>
-      </p:ext>
-    </p:extLst>
-  </p:cSld>
-  <p:clrMapOvr>
-    <a:masterClrMapping/>
-  </p:clrMapOvr>
-  <p:transition spd="med">
-    <p:fade/>
-  </p:transition>
-</p:sld>
-</file>
-
-<file path=ppt/slides/slide7.xml><?xml version="1.0" encoding="utf-8"?>
-<p:sld xmlns:a="http://schemas.openxmlformats.org/drawingml/2006/main" xmlns:r="http://schemas.openxmlformats.org/officeDocument/2006/relationships" xmlns:p="http://schemas.openxmlformats.org/presentationml/2006/main">
-  <p:cSld>
-    <p:spTree>
-      <p:nvGrpSpPr>
-        <p:cNvPr id="1" name=""/>
-        <p:cNvGrpSpPr/>
-        <p:nvPr/>
-      </p:nvGrpSpPr>
-      <p:grpSpPr>
-        <a:xfrm>
-          <a:off x="0" y="0"/>
-          <a:ext cx="0" cy="0"/>
-          <a:chOff x="0" y="0"/>
-          <a:chExt cx="0" cy="0"/>
-        </a:xfrm>
-      </p:grpSpPr>
-      <p:sp>
-        <p:nvSpPr>
-          <p:cNvPr id="18434" name="Rectangle 2"/>
-          <p:cNvSpPr>
-            <a:spLocks noGrp="1" noChangeArrowheads="1"/>
-          </p:cNvSpPr>
-          <p:nvPr>
-            <p:ph type="title"/>
-          </p:nvPr>
-        </p:nvSpPr>
-        <p:spPr/>
-        <p:txBody>
-          <a:bodyPr/>
-          <a:lstStyle/>
-          <a:p>
-            <a:pPr algn="ctr"/>
-            <a:r>
-              <a:rPr lang="pt-PT" b="1" dirty="0">
+      <p:sp>
+        <p:nvSpPr>
+          <p:cNvPr id="20" name="Rectangle 3">
+            <a:extLst>
+              <a:ext uri="{FF2B5EF4-FFF2-40B4-BE49-F238E27FC236}">
+                <a16:creationId xmlns:a16="http://schemas.microsoft.com/office/drawing/2014/main" id="{F67E62F0-A582-4F90-A662-634ED4ACF80F}"/>
+              </a:ext>
+            </a:extLst>
+          </p:cNvPr>
+          <p:cNvSpPr txBox="1">
+            <a:spLocks noChangeArrowheads="1"/>
+          </p:cNvSpPr>
+          <p:nvPr/>
+        </p:nvSpPr>
+        <p:spPr bwMode="auto">
+          <a:xfrm>
+            <a:off x="1465312" y="2385338"/>
+            <a:ext cx="1810544" cy="532654"/>
+          </a:xfrm>
+          <a:prstGeom prst="rect">
+            <a:avLst/>
+          </a:prstGeom>
+          <a:noFill/>
+          <a:ln>
+            <a:noFill/>
+          </a:ln>
+          <a:effectLst/>
+          <a:extLst>
+            <a:ext uri="{909E8E84-426E-40DD-AFC4-6F175D3DCCD1}">
+              <a14:hiddenFill xmlns:a14="http://schemas.microsoft.com/office/drawing/2010/main">
+                <a:solidFill>
+                  <a:schemeClr val="accent1"/>
+                </a:solidFill>
+              </a14:hiddenFill>
+            </a:ext>
+            <a:ext uri="{91240B29-F687-4F45-9708-019B960494DF}">
+              <a14:hiddenLine xmlns:a14="http://schemas.microsoft.com/office/drawing/2010/main" w="9525">
+                <a:solidFill>
+                  <a:schemeClr val="tx1"/>
+                </a:solidFill>
+                <a:miter lim="800000"/>
+                <a:headEnd/>
+                <a:tailEnd/>
+              </a14:hiddenLine>
+            </a:ext>
+            <a:ext uri="{AF507438-7753-43E0-B8FC-AC1667EBCBE1}">
+              <a14:hiddenEffects xmlns:a14="http://schemas.microsoft.com/office/drawing/2010/main">
+                <a:effectLst>
+                  <a:outerShdw dist="35921" dir="2700000" algn="ctr" rotWithShape="0">
+                    <a:schemeClr val="bg2"/>
+                  </a:outerShdw>
+                </a:effectLst>
+              </a14:hiddenEffects>
+            </a:ext>
+          </a:extLst>
+        </p:spPr>
+        <p:txBody>
+          <a:bodyPr vert="horz" wrap="square" lIns="91440" tIns="45720" rIns="91440" bIns="45720" numCol="1" anchor="t" anchorCtr="0" compatLnSpc="1">
+            <a:prstTxWarp prst="textNoShape">
+              <a:avLst/>
+            </a:prstTxWarp>
+          </a:bodyPr>
+          <a:lstStyle>
+            <a:lvl1pPr marL="342900" indent="-342900" algn="l" rtl="0" eaLnBrk="1" fontAlgn="base" hangingPunct="1">
+              <a:spcBef>
+                <a:spcPct val="20000"/>
+              </a:spcBef>
+              <a:spcAft>
+                <a:spcPct val="0"/>
+              </a:spcAft>
+              <a:buClr>
+                <a:schemeClr val="bg2"/>
+              </a:buClr>
+              <a:buSzPct val="75000"/>
+              <a:buFont typeface="Wingdings" pitchFamily="2" charset="2"/>
+              <a:buChar char="p"/>
+              <a:defRPr sz="2800">
+                <a:solidFill>
+                  <a:schemeClr val="tx1"/>
+                </a:solidFill>
+                <a:latin typeface="+mn-lt"/>
+                <a:ea typeface="+mn-ea"/>
+                <a:cs typeface="+mn-cs"/>
+              </a:defRPr>
+            </a:lvl1pPr>
+            <a:lvl2pPr marL="742950" indent="-285750" algn="l" rtl="0" eaLnBrk="1" fontAlgn="base" hangingPunct="1">
+              <a:spcBef>
+                <a:spcPct val="20000"/>
+              </a:spcBef>
+              <a:spcAft>
+                <a:spcPct val="0"/>
+              </a:spcAft>
+              <a:buClr>
+                <a:schemeClr val="tx2"/>
+              </a:buClr>
+              <a:buSzPct val="75000"/>
+              <a:buFont typeface="Wingdings" pitchFamily="2" charset="2"/>
+              <a:buChar char="n"/>
+              <a:defRPr sz="2400">
+                <a:solidFill>
+                  <a:schemeClr val="tx1"/>
+                </a:solidFill>
+                <a:latin typeface="+mn-lt"/>
+              </a:defRPr>
+            </a:lvl2pPr>
+            <a:lvl3pPr marL="1143000" indent="-228600" algn="l" rtl="0" eaLnBrk="1" fontAlgn="base" hangingPunct="1">
+              <a:spcBef>
+                <a:spcPct val="20000"/>
+              </a:spcBef>
+              <a:spcAft>
+                <a:spcPct val="0"/>
+              </a:spcAft>
+              <a:buClr>
+                <a:schemeClr val="accent1"/>
+              </a:buClr>
+              <a:buSzPct val="65000"/>
+              <a:buFont typeface="Wingdings" pitchFamily="2" charset="2"/>
+              <a:buChar char="p"/>
+              <a:defRPr sz="2000">
+                <a:solidFill>
+                  <a:schemeClr val="tx1"/>
+                </a:solidFill>
+                <a:latin typeface="+mn-lt"/>
+              </a:defRPr>
+            </a:lvl3pPr>
+            <a:lvl4pPr marL="1600200" indent="-228600" algn="l" rtl="0" eaLnBrk="1" fontAlgn="base" hangingPunct="1">
+              <a:spcBef>
+                <a:spcPct val="20000"/>
+              </a:spcBef>
+              <a:spcAft>
+                <a:spcPct val="0"/>
+              </a:spcAft>
+              <a:buClr>
+                <a:schemeClr val="bg2"/>
+              </a:buClr>
+              <a:buFont typeface="Wingdings" pitchFamily="2" charset="2"/>
+              <a:buChar char="§"/>
+              <a:defRPr>
+                <a:solidFill>
+                  <a:schemeClr val="tx1"/>
+                </a:solidFill>
+                <a:latin typeface="+mn-lt"/>
+              </a:defRPr>
+            </a:lvl4pPr>
+            <a:lvl5pPr marL="2057400" indent="-228600" algn="l" rtl="0" eaLnBrk="1" fontAlgn="base" hangingPunct="1">
+              <a:spcBef>
+                <a:spcPct val="20000"/>
+              </a:spcBef>
+              <a:spcAft>
+                <a:spcPct val="0"/>
+              </a:spcAft>
+              <a:buClr>
+                <a:schemeClr val="tx2"/>
+              </a:buClr>
+              <a:buSzPct val="80000"/>
+              <a:buFont typeface="Wingdings" pitchFamily="2" charset="2"/>
+              <a:buChar char="§"/>
+              <a:defRPr>
+                <a:solidFill>
+                  <a:schemeClr val="tx1"/>
+                </a:solidFill>
+                <a:latin typeface="+mn-lt"/>
+              </a:defRPr>
+            </a:lvl5pPr>
+            <a:lvl6pPr marL="2514600" indent="-228600" algn="l" rtl="0" eaLnBrk="1" fontAlgn="base" hangingPunct="1">
+              <a:spcBef>
+                <a:spcPct val="20000"/>
+              </a:spcBef>
+              <a:spcAft>
+                <a:spcPct val="0"/>
+              </a:spcAft>
+              <a:buClr>
+                <a:schemeClr val="tx2"/>
+              </a:buClr>
+              <a:buSzPct val="80000"/>
+              <a:buFont typeface="Wingdings" pitchFamily="2" charset="2"/>
+              <a:buChar char="§"/>
+              <a:defRPr>
+                <a:solidFill>
+                  <a:schemeClr val="tx1"/>
+                </a:solidFill>
+                <a:latin typeface="+mn-lt"/>
+              </a:defRPr>
+            </a:lvl6pPr>
+            <a:lvl7pPr marL="2971800" indent="-228600" algn="l" rtl="0" eaLnBrk="1" fontAlgn="base" hangingPunct="1">
+              <a:spcBef>
+                <a:spcPct val="20000"/>
+              </a:spcBef>
+              <a:spcAft>
+                <a:spcPct val="0"/>
+              </a:spcAft>
+              <a:buClr>
+                <a:schemeClr val="tx2"/>
+              </a:buClr>
+              <a:buSzPct val="80000"/>
+              <a:buFont typeface="Wingdings" pitchFamily="2" charset="2"/>
+              <a:buChar char="§"/>
+              <a:defRPr>
+                <a:solidFill>
+                  <a:schemeClr val="tx1"/>
+                </a:solidFill>
+                <a:latin typeface="+mn-lt"/>
+              </a:defRPr>
+            </a:lvl7pPr>
+            <a:lvl8pPr marL="3429000" indent="-228600" algn="l" rtl="0" eaLnBrk="1" fontAlgn="base" hangingPunct="1">
+              <a:spcBef>
+                <a:spcPct val="20000"/>
+              </a:spcBef>
+              <a:spcAft>
+                <a:spcPct val="0"/>
+              </a:spcAft>
+              <a:buClr>
+                <a:schemeClr val="tx2"/>
+              </a:buClr>
+              <a:buSzPct val="80000"/>
+              <a:buFont typeface="Wingdings" pitchFamily="2" charset="2"/>
+              <a:buChar char="§"/>
+              <a:defRPr>
+                <a:solidFill>
+                  <a:schemeClr val="tx1"/>
+                </a:solidFill>
+                <a:latin typeface="+mn-lt"/>
+              </a:defRPr>
+            </a:lvl8pPr>
+            <a:lvl9pPr marL="3886200" indent="-228600" algn="l" rtl="0" eaLnBrk="1" fontAlgn="base" hangingPunct="1">
+              <a:spcBef>
+                <a:spcPct val="20000"/>
+              </a:spcBef>
+              <a:spcAft>
+                <a:spcPct val="0"/>
+              </a:spcAft>
+              <a:buClr>
+                <a:schemeClr val="tx2"/>
+              </a:buClr>
+              <a:buSzPct val="80000"/>
+              <a:buFont typeface="Wingdings" pitchFamily="2" charset="2"/>
+              <a:buChar char="§"/>
+              <a:defRPr>
+                <a:solidFill>
+                  <a:schemeClr val="tx1"/>
+                </a:solidFill>
+                <a:latin typeface="+mn-lt"/>
+              </a:defRPr>
+            </a:lvl9pPr>
+          </a:lstStyle>
+          <a:p>
+            <a:pPr marL="0" indent="0">
+              <a:buFont typeface="Wingdings" pitchFamily="2" charset="2"/>
+              <a:buNone/>
+            </a:pPr>
+            <a:r>
+              <a:rPr lang="pt-PT" kern="0" dirty="0">
                 <a:effectLst>
                   <a:outerShdw blurRad="38100" dist="38100" dir="2700000" algn="tl">
                     <a:srgbClr val="000000">
@@ -6733,34 +7151,280 @@
                   </a:outerShdw>
                 </a:effectLst>
               </a:rPr>
-              <a:t>Conclusões e Trabalho Futuro</a:t>
-            </a:r>
-          </a:p>
-        </p:txBody>
-      </p:sp>
-      <p:sp>
-        <p:nvSpPr>
-          <p:cNvPr id="18435" name="Rectangle 3"/>
-          <p:cNvSpPr>
-            <a:spLocks noGrp="1" noChangeArrowheads="1"/>
-          </p:cNvSpPr>
-          <p:nvPr>
-            <p:ph type="body" idx="1"/>
-          </p:nvPr>
-        </p:nvSpPr>
-        <p:spPr/>
-        <p:txBody>
-          <a:bodyPr/>
-          <a:lstStyle/>
-          <a:p>
-            <a:endParaRPr lang="pt-PT" dirty="0"/>
+              <a:t>Exemplo 1</a:t>
+            </a:r>
+          </a:p>
+        </p:txBody>
+      </p:sp>
+      <p:sp>
+        <p:nvSpPr>
+          <p:cNvPr id="21" name="Rectangle 3">
+            <a:extLst>
+              <a:ext uri="{FF2B5EF4-FFF2-40B4-BE49-F238E27FC236}">
+                <a16:creationId xmlns:a16="http://schemas.microsoft.com/office/drawing/2014/main" id="{06B2E446-1F2F-4F78-A56B-82B6327ADD19}"/>
+              </a:ext>
+            </a:extLst>
+          </p:cNvPr>
+          <p:cNvSpPr txBox="1">
+            <a:spLocks noChangeArrowheads="1"/>
+          </p:cNvSpPr>
+          <p:nvPr/>
+        </p:nvSpPr>
+        <p:spPr bwMode="auto">
+          <a:xfrm>
+            <a:off x="1403648" y="5011267"/>
+            <a:ext cx="1810544" cy="532654"/>
+          </a:xfrm>
+          <a:prstGeom prst="rect">
+            <a:avLst/>
+          </a:prstGeom>
+          <a:noFill/>
+          <a:ln>
+            <a:noFill/>
+          </a:ln>
+          <a:effectLst/>
+          <a:extLst>
+            <a:ext uri="{909E8E84-426E-40DD-AFC4-6F175D3DCCD1}">
+              <a14:hiddenFill xmlns:a14="http://schemas.microsoft.com/office/drawing/2010/main">
+                <a:solidFill>
+                  <a:schemeClr val="accent1"/>
+                </a:solidFill>
+              </a14:hiddenFill>
+            </a:ext>
+            <a:ext uri="{91240B29-F687-4F45-9708-019B960494DF}">
+              <a14:hiddenLine xmlns:a14="http://schemas.microsoft.com/office/drawing/2010/main" w="9525">
+                <a:solidFill>
+                  <a:schemeClr val="tx1"/>
+                </a:solidFill>
+                <a:miter lim="800000"/>
+                <a:headEnd/>
+                <a:tailEnd/>
+              </a14:hiddenLine>
+            </a:ext>
+            <a:ext uri="{AF507438-7753-43E0-B8FC-AC1667EBCBE1}">
+              <a14:hiddenEffects xmlns:a14="http://schemas.microsoft.com/office/drawing/2010/main">
+                <a:effectLst>
+                  <a:outerShdw dist="35921" dir="2700000" algn="ctr" rotWithShape="0">
+                    <a:schemeClr val="bg2"/>
+                  </a:outerShdw>
+                </a:effectLst>
+              </a14:hiddenEffects>
+            </a:ext>
+          </a:extLst>
+        </p:spPr>
+        <p:txBody>
+          <a:bodyPr vert="horz" wrap="square" lIns="91440" tIns="45720" rIns="91440" bIns="45720" numCol="1" anchor="t" anchorCtr="0" compatLnSpc="1">
+            <a:prstTxWarp prst="textNoShape">
+              <a:avLst/>
+            </a:prstTxWarp>
+          </a:bodyPr>
+          <a:lstStyle>
+            <a:lvl1pPr marL="342900" indent="-342900" algn="l" rtl="0" eaLnBrk="1" fontAlgn="base" hangingPunct="1">
+              <a:spcBef>
+                <a:spcPct val="20000"/>
+              </a:spcBef>
+              <a:spcAft>
+                <a:spcPct val="0"/>
+              </a:spcAft>
+              <a:buClr>
+                <a:schemeClr val="bg2"/>
+              </a:buClr>
+              <a:buSzPct val="75000"/>
+              <a:buFont typeface="Wingdings" pitchFamily="2" charset="2"/>
+              <a:buChar char="p"/>
+              <a:defRPr sz="2800">
+                <a:solidFill>
+                  <a:schemeClr val="tx1"/>
+                </a:solidFill>
+                <a:latin typeface="+mn-lt"/>
+                <a:ea typeface="+mn-ea"/>
+                <a:cs typeface="+mn-cs"/>
+              </a:defRPr>
+            </a:lvl1pPr>
+            <a:lvl2pPr marL="742950" indent="-285750" algn="l" rtl="0" eaLnBrk="1" fontAlgn="base" hangingPunct="1">
+              <a:spcBef>
+                <a:spcPct val="20000"/>
+              </a:spcBef>
+              <a:spcAft>
+                <a:spcPct val="0"/>
+              </a:spcAft>
+              <a:buClr>
+                <a:schemeClr val="tx2"/>
+              </a:buClr>
+              <a:buSzPct val="75000"/>
+              <a:buFont typeface="Wingdings" pitchFamily="2" charset="2"/>
+              <a:buChar char="n"/>
+              <a:defRPr sz="2400">
+                <a:solidFill>
+                  <a:schemeClr val="tx1"/>
+                </a:solidFill>
+                <a:latin typeface="+mn-lt"/>
+              </a:defRPr>
+            </a:lvl2pPr>
+            <a:lvl3pPr marL="1143000" indent="-228600" algn="l" rtl="0" eaLnBrk="1" fontAlgn="base" hangingPunct="1">
+              <a:spcBef>
+                <a:spcPct val="20000"/>
+              </a:spcBef>
+              <a:spcAft>
+                <a:spcPct val="0"/>
+              </a:spcAft>
+              <a:buClr>
+                <a:schemeClr val="accent1"/>
+              </a:buClr>
+              <a:buSzPct val="65000"/>
+              <a:buFont typeface="Wingdings" pitchFamily="2" charset="2"/>
+              <a:buChar char="p"/>
+              <a:defRPr sz="2000">
+                <a:solidFill>
+                  <a:schemeClr val="tx1"/>
+                </a:solidFill>
+                <a:latin typeface="+mn-lt"/>
+              </a:defRPr>
+            </a:lvl3pPr>
+            <a:lvl4pPr marL="1600200" indent="-228600" algn="l" rtl="0" eaLnBrk="1" fontAlgn="base" hangingPunct="1">
+              <a:spcBef>
+                <a:spcPct val="20000"/>
+              </a:spcBef>
+              <a:spcAft>
+                <a:spcPct val="0"/>
+              </a:spcAft>
+              <a:buClr>
+                <a:schemeClr val="bg2"/>
+              </a:buClr>
+              <a:buFont typeface="Wingdings" pitchFamily="2" charset="2"/>
+              <a:buChar char="§"/>
+              <a:defRPr>
+                <a:solidFill>
+                  <a:schemeClr val="tx1"/>
+                </a:solidFill>
+                <a:latin typeface="+mn-lt"/>
+              </a:defRPr>
+            </a:lvl4pPr>
+            <a:lvl5pPr marL="2057400" indent="-228600" algn="l" rtl="0" eaLnBrk="1" fontAlgn="base" hangingPunct="1">
+              <a:spcBef>
+                <a:spcPct val="20000"/>
+              </a:spcBef>
+              <a:spcAft>
+                <a:spcPct val="0"/>
+              </a:spcAft>
+              <a:buClr>
+                <a:schemeClr val="tx2"/>
+              </a:buClr>
+              <a:buSzPct val="80000"/>
+              <a:buFont typeface="Wingdings" pitchFamily="2" charset="2"/>
+              <a:buChar char="§"/>
+              <a:defRPr>
+                <a:solidFill>
+                  <a:schemeClr val="tx1"/>
+                </a:solidFill>
+                <a:latin typeface="+mn-lt"/>
+              </a:defRPr>
+            </a:lvl5pPr>
+            <a:lvl6pPr marL="2514600" indent="-228600" algn="l" rtl="0" eaLnBrk="1" fontAlgn="base" hangingPunct="1">
+              <a:spcBef>
+                <a:spcPct val="20000"/>
+              </a:spcBef>
+              <a:spcAft>
+                <a:spcPct val="0"/>
+              </a:spcAft>
+              <a:buClr>
+                <a:schemeClr val="tx2"/>
+              </a:buClr>
+              <a:buSzPct val="80000"/>
+              <a:buFont typeface="Wingdings" pitchFamily="2" charset="2"/>
+              <a:buChar char="§"/>
+              <a:defRPr>
+                <a:solidFill>
+                  <a:schemeClr val="tx1"/>
+                </a:solidFill>
+                <a:latin typeface="+mn-lt"/>
+              </a:defRPr>
+            </a:lvl6pPr>
+            <a:lvl7pPr marL="2971800" indent="-228600" algn="l" rtl="0" eaLnBrk="1" fontAlgn="base" hangingPunct="1">
+              <a:spcBef>
+                <a:spcPct val="20000"/>
+              </a:spcBef>
+              <a:spcAft>
+                <a:spcPct val="0"/>
+              </a:spcAft>
+              <a:buClr>
+                <a:schemeClr val="tx2"/>
+              </a:buClr>
+              <a:buSzPct val="80000"/>
+              <a:buFont typeface="Wingdings" pitchFamily="2" charset="2"/>
+              <a:buChar char="§"/>
+              <a:defRPr>
+                <a:solidFill>
+                  <a:schemeClr val="tx1"/>
+                </a:solidFill>
+                <a:latin typeface="+mn-lt"/>
+              </a:defRPr>
+            </a:lvl7pPr>
+            <a:lvl8pPr marL="3429000" indent="-228600" algn="l" rtl="0" eaLnBrk="1" fontAlgn="base" hangingPunct="1">
+              <a:spcBef>
+                <a:spcPct val="20000"/>
+              </a:spcBef>
+              <a:spcAft>
+                <a:spcPct val="0"/>
+              </a:spcAft>
+              <a:buClr>
+                <a:schemeClr val="tx2"/>
+              </a:buClr>
+              <a:buSzPct val="80000"/>
+              <a:buFont typeface="Wingdings" pitchFamily="2" charset="2"/>
+              <a:buChar char="§"/>
+              <a:defRPr>
+                <a:solidFill>
+                  <a:schemeClr val="tx1"/>
+                </a:solidFill>
+                <a:latin typeface="+mn-lt"/>
+              </a:defRPr>
+            </a:lvl8pPr>
+            <a:lvl9pPr marL="3886200" indent="-228600" algn="l" rtl="0" eaLnBrk="1" fontAlgn="base" hangingPunct="1">
+              <a:spcBef>
+                <a:spcPct val="20000"/>
+              </a:spcBef>
+              <a:spcAft>
+                <a:spcPct val="0"/>
+              </a:spcAft>
+              <a:buClr>
+                <a:schemeClr val="tx2"/>
+              </a:buClr>
+              <a:buSzPct val="80000"/>
+              <a:buFont typeface="Wingdings" pitchFamily="2" charset="2"/>
+              <a:buChar char="§"/>
+              <a:defRPr>
+                <a:solidFill>
+                  <a:schemeClr val="tx1"/>
+                </a:solidFill>
+                <a:latin typeface="+mn-lt"/>
+              </a:defRPr>
+            </a:lvl9pPr>
+          </a:lstStyle>
+          <a:p>
+            <a:pPr marL="0" indent="0">
+              <a:buFont typeface="Wingdings" pitchFamily="2" charset="2"/>
+              <a:buNone/>
+            </a:pPr>
+            <a:r>
+              <a:rPr lang="pt-PT" kern="0" dirty="0">
+                <a:effectLst>
+                  <a:outerShdw blurRad="38100" dist="38100" dir="2700000" algn="tl">
+                    <a:srgbClr val="000000">
+                      <a:alpha val="43137"/>
+                    </a:srgbClr>
+                  </a:outerShdw>
+                </a:effectLst>
+              </a:rPr>
+              <a:t>Exemplo 2</a:t>
+            </a:r>
           </a:p>
         </p:txBody>
       </p:sp>
     </p:spTree>
     <p:extLst>
       <p:ext uri="{BB962C8B-B14F-4D97-AF65-F5344CB8AC3E}">
-        <p14:creationId xmlns:p14="http://schemas.microsoft.com/office/powerpoint/2010/main" val="833438028"/>
+        <p14:creationId xmlns:p14="http://schemas.microsoft.com/office/powerpoint/2010/main" val="3029479287"/>
       </p:ext>
     </p:extLst>
   </p:cSld>
@@ -6792,24 +7456,20 @@
       </p:grpSpPr>
       <p:sp>
         <p:nvSpPr>
-          <p:cNvPr id="2050" name="Rectangle 2"/>
+          <p:cNvPr id="18434" name="Rectangle 2"/>
           <p:cNvSpPr>
             <a:spLocks noGrp="1" noChangeArrowheads="1"/>
           </p:cNvSpPr>
           <p:nvPr>
-            <p:ph type="ctrTitle"/>
-          </p:nvPr>
-        </p:nvSpPr>
-        <p:spPr>
-          <a:xfrm>
-            <a:off x="539552" y="685800"/>
-            <a:ext cx="8064896" cy="2127250"/>
-          </a:xfrm>
-        </p:spPr>
+            <p:ph type="title"/>
+          </p:nvPr>
+        </p:nvSpPr>
+        <p:spPr/>
         <p:txBody>
           <a:bodyPr/>
           <a:lstStyle/>
           <a:p>
+            <a:pPr algn="ctr"/>
             <a:r>
               <a:rPr lang="pt-PT" b="1" dirty="0">
                 <a:effectLst>
@@ -6820,25 +7480,25 @@
                   </a:outerShdw>
                 </a:effectLst>
               </a:rPr>
-              <a:t>Serviço de Autenticação Distribuído</a:t>
-            </a:r>
-          </a:p>
-        </p:txBody>
-      </p:sp>
-      <p:sp>
-        <p:nvSpPr>
-          <p:cNvPr id="2051" name="Rectangle 3"/>
+              <a:t>Para Usufruir do Serviço</a:t>
+            </a:r>
+          </a:p>
+        </p:txBody>
+      </p:sp>
+      <p:sp>
+        <p:nvSpPr>
+          <p:cNvPr id="18435" name="Rectangle 3"/>
           <p:cNvSpPr>
             <a:spLocks noGrp="1" noChangeArrowheads="1"/>
           </p:cNvSpPr>
           <p:nvPr>
-            <p:ph type="subTitle" idx="1"/>
+            <p:ph type="body" idx="1"/>
           </p:nvPr>
         </p:nvSpPr>
         <p:spPr>
           <a:xfrm>
-            <a:off x="1371600" y="3429000"/>
-            <a:ext cx="6400800" cy="2209800"/>
+            <a:off x="467544" y="1816227"/>
+            <a:ext cx="8229600" cy="1972813"/>
           </a:xfrm>
         </p:spPr>
         <p:txBody>
@@ -6846,32 +7506,308 @@
           <a:lstStyle/>
           <a:p>
             <a:r>
-              <a:rPr lang="pt-PT" b="1" dirty="0"/>
-              <a:t>André Vieira </a:t>
-            </a:r>
-            <a:r>
-              <a:rPr lang="pt-PT" dirty="0"/>
-              <a:t>A78322</a:t>
-            </a:r>
-          </a:p>
-          <a:p>
-            <a:r>
-              <a:rPr lang="pt-PT" b="1" dirty="0"/>
-              <a:t>Eduardo Rocha </a:t>
-            </a:r>
-            <a:r>
-              <a:rPr lang="pt-PT" dirty="0"/>
-              <a:t>A77048</a:t>
-            </a:r>
-          </a:p>
-          <a:p>
-            <a:r>
-              <a:rPr lang="pt-PT" b="1" dirty="0"/>
-              <a:t>Ricardo Neves </a:t>
-            </a:r>
-            <a:r>
-              <a:rPr lang="pt-PT" dirty="0"/>
-              <a:t>A78764</a:t>
+              <a:rPr lang="pt-PT" dirty="0">
+                <a:effectLst>
+                  <a:outerShdw blurRad="38100" dist="38100" dir="2700000" algn="tl">
+                    <a:srgbClr val="000000">
+                      <a:alpha val="43137"/>
+                    </a:srgbClr>
+                  </a:outerShdw>
+                </a:effectLst>
+              </a:rPr>
+              <a:t>Ter um Email Académico.</a:t>
+            </a:r>
+          </a:p>
+          <a:p>
+            <a:r>
+              <a:rPr lang="pt-PT" dirty="0">
+                <a:effectLst>
+                  <a:outerShdw blurRad="38100" dist="38100" dir="2700000" algn="tl">
+                    <a:srgbClr val="000000">
+                      <a:alpha val="43137"/>
+                    </a:srgbClr>
+                  </a:outerShdw>
+                </a:effectLst>
+              </a:rPr>
+              <a:t>Registar a conta.</a:t>
+            </a:r>
+          </a:p>
+          <a:p>
+            <a:r>
+              <a:rPr lang="pt-PT" dirty="0">
+                <a:effectLst>
+                  <a:outerShdw blurRad="38100" dist="38100" dir="2700000" algn="tl">
+                    <a:srgbClr val="000000">
+                      <a:alpha val="43137"/>
+                    </a:srgbClr>
+                  </a:outerShdw>
+                </a:effectLst>
+              </a:rPr>
+              <a:t>Associar uma ou mais contas ao registo efetuado.</a:t>
+            </a:r>
+          </a:p>
+        </p:txBody>
+      </p:sp>
+      <p:sp>
+        <p:nvSpPr>
+          <p:cNvPr id="4" name="Rectangle 3">
+            <a:extLst>
+              <a:ext uri="{FF2B5EF4-FFF2-40B4-BE49-F238E27FC236}">
+                <a16:creationId xmlns:a16="http://schemas.microsoft.com/office/drawing/2014/main" id="{42E52DDD-8B57-4C45-A4D4-FAFB97AC3AC2}"/>
+              </a:ext>
+            </a:extLst>
+          </p:cNvPr>
+          <p:cNvSpPr txBox="1">
+            <a:spLocks noChangeArrowheads="1"/>
+          </p:cNvSpPr>
+          <p:nvPr/>
+        </p:nvSpPr>
+        <p:spPr bwMode="auto">
+          <a:xfrm>
+            <a:off x="465292" y="4293096"/>
+            <a:ext cx="8229600" cy="1324741"/>
+          </a:xfrm>
+          <a:prstGeom prst="rect">
+            <a:avLst/>
+          </a:prstGeom>
+          <a:noFill/>
+          <a:ln>
+            <a:noFill/>
+          </a:ln>
+          <a:effectLst/>
+          <a:extLst>
+            <a:ext uri="{909E8E84-426E-40DD-AFC4-6F175D3DCCD1}">
+              <a14:hiddenFill xmlns:a14="http://schemas.microsoft.com/office/drawing/2010/main">
+                <a:solidFill>
+                  <a:schemeClr val="accent1"/>
+                </a:solidFill>
+              </a14:hiddenFill>
+            </a:ext>
+            <a:ext uri="{91240B29-F687-4F45-9708-019B960494DF}">
+              <a14:hiddenLine xmlns:a14="http://schemas.microsoft.com/office/drawing/2010/main" w="9525">
+                <a:solidFill>
+                  <a:schemeClr val="tx1"/>
+                </a:solidFill>
+                <a:miter lim="800000"/>
+                <a:headEnd/>
+                <a:tailEnd/>
+              </a14:hiddenLine>
+            </a:ext>
+            <a:ext uri="{AF507438-7753-43E0-B8FC-AC1667EBCBE1}">
+              <a14:hiddenEffects xmlns:a14="http://schemas.microsoft.com/office/drawing/2010/main">
+                <a:effectLst>
+                  <a:outerShdw dist="35921" dir="2700000" algn="ctr" rotWithShape="0">
+                    <a:schemeClr val="bg2"/>
+                  </a:outerShdw>
+                </a:effectLst>
+              </a14:hiddenEffects>
+            </a:ext>
+          </a:extLst>
+        </p:spPr>
+        <p:txBody>
+          <a:bodyPr vert="horz" wrap="square" lIns="91440" tIns="45720" rIns="91440" bIns="45720" numCol="1" anchor="t" anchorCtr="0" compatLnSpc="1">
+            <a:prstTxWarp prst="textNoShape">
+              <a:avLst/>
+            </a:prstTxWarp>
+          </a:bodyPr>
+          <a:lstStyle>
+            <a:lvl1pPr marL="342900" indent="-342900" algn="l" rtl="0" eaLnBrk="1" fontAlgn="base" hangingPunct="1">
+              <a:spcBef>
+                <a:spcPct val="20000"/>
+              </a:spcBef>
+              <a:spcAft>
+                <a:spcPct val="0"/>
+              </a:spcAft>
+              <a:buClr>
+                <a:schemeClr val="bg2"/>
+              </a:buClr>
+              <a:buSzPct val="75000"/>
+              <a:buFont typeface="Wingdings" pitchFamily="2" charset="2"/>
+              <a:buChar char="p"/>
+              <a:defRPr sz="2800">
+                <a:solidFill>
+                  <a:schemeClr val="tx1"/>
+                </a:solidFill>
+                <a:latin typeface="+mn-lt"/>
+                <a:ea typeface="+mn-ea"/>
+                <a:cs typeface="+mn-cs"/>
+              </a:defRPr>
+            </a:lvl1pPr>
+            <a:lvl2pPr marL="742950" indent="-285750" algn="l" rtl="0" eaLnBrk="1" fontAlgn="base" hangingPunct="1">
+              <a:spcBef>
+                <a:spcPct val="20000"/>
+              </a:spcBef>
+              <a:spcAft>
+                <a:spcPct val="0"/>
+              </a:spcAft>
+              <a:buClr>
+                <a:schemeClr val="tx2"/>
+              </a:buClr>
+              <a:buSzPct val="75000"/>
+              <a:buFont typeface="Wingdings" pitchFamily="2" charset="2"/>
+              <a:buChar char="n"/>
+              <a:defRPr sz="2400">
+                <a:solidFill>
+                  <a:schemeClr val="tx1"/>
+                </a:solidFill>
+                <a:latin typeface="+mn-lt"/>
+              </a:defRPr>
+            </a:lvl2pPr>
+            <a:lvl3pPr marL="1143000" indent="-228600" algn="l" rtl="0" eaLnBrk="1" fontAlgn="base" hangingPunct="1">
+              <a:spcBef>
+                <a:spcPct val="20000"/>
+              </a:spcBef>
+              <a:spcAft>
+                <a:spcPct val="0"/>
+              </a:spcAft>
+              <a:buClr>
+                <a:schemeClr val="accent1"/>
+              </a:buClr>
+              <a:buSzPct val="65000"/>
+              <a:buFont typeface="Wingdings" pitchFamily="2" charset="2"/>
+              <a:buChar char="p"/>
+              <a:defRPr sz="2000">
+                <a:solidFill>
+                  <a:schemeClr val="tx1"/>
+                </a:solidFill>
+                <a:latin typeface="+mn-lt"/>
+              </a:defRPr>
+            </a:lvl3pPr>
+            <a:lvl4pPr marL="1600200" indent="-228600" algn="l" rtl="0" eaLnBrk="1" fontAlgn="base" hangingPunct="1">
+              <a:spcBef>
+                <a:spcPct val="20000"/>
+              </a:spcBef>
+              <a:spcAft>
+                <a:spcPct val="0"/>
+              </a:spcAft>
+              <a:buClr>
+                <a:schemeClr val="bg2"/>
+              </a:buClr>
+              <a:buFont typeface="Wingdings" pitchFamily="2" charset="2"/>
+              <a:buChar char="§"/>
+              <a:defRPr>
+                <a:solidFill>
+                  <a:schemeClr val="tx1"/>
+                </a:solidFill>
+                <a:latin typeface="+mn-lt"/>
+              </a:defRPr>
+            </a:lvl4pPr>
+            <a:lvl5pPr marL="2057400" indent="-228600" algn="l" rtl="0" eaLnBrk="1" fontAlgn="base" hangingPunct="1">
+              <a:spcBef>
+                <a:spcPct val="20000"/>
+              </a:spcBef>
+              <a:spcAft>
+                <a:spcPct val="0"/>
+              </a:spcAft>
+              <a:buClr>
+                <a:schemeClr val="tx2"/>
+              </a:buClr>
+              <a:buSzPct val="80000"/>
+              <a:buFont typeface="Wingdings" pitchFamily="2" charset="2"/>
+              <a:buChar char="§"/>
+              <a:defRPr>
+                <a:solidFill>
+                  <a:schemeClr val="tx1"/>
+                </a:solidFill>
+                <a:latin typeface="+mn-lt"/>
+              </a:defRPr>
+            </a:lvl5pPr>
+            <a:lvl6pPr marL="2514600" indent="-228600" algn="l" rtl="0" eaLnBrk="1" fontAlgn="base" hangingPunct="1">
+              <a:spcBef>
+                <a:spcPct val="20000"/>
+              </a:spcBef>
+              <a:spcAft>
+                <a:spcPct val="0"/>
+              </a:spcAft>
+              <a:buClr>
+                <a:schemeClr val="tx2"/>
+              </a:buClr>
+              <a:buSzPct val="80000"/>
+              <a:buFont typeface="Wingdings" pitchFamily="2" charset="2"/>
+              <a:buChar char="§"/>
+              <a:defRPr>
+                <a:solidFill>
+                  <a:schemeClr val="tx1"/>
+                </a:solidFill>
+                <a:latin typeface="+mn-lt"/>
+              </a:defRPr>
+            </a:lvl6pPr>
+            <a:lvl7pPr marL="2971800" indent="-228600" algn="l" rtl="0" eaLnBrk="1" fontAlgn="base" hangingPunct="1">
+              <a:spcBef>
+                <a:spcPct val="20000"/>
+              </a:spcBef>
+              <a:spcAft>
+                <a:spcPct val="0"/>
+              </a:spcAft>
+              <a:buClr>
+                <a:schemeClr val="tx2"/>
+              </a:buClr>
+              <a:buSzPct val="80000"/>
+              <a:buFont typeface="Wingdings" pitchFamily="2" charset="2"/>
+              <a:buChar char="§"/>
+              <a:defRPr>
+                <a:solidFill>
+                  <a:schemeClr val="tx1"/>
+                </a:solidFill>
+                <a:latin typeface="+mn-lt"/>
+              </a:defRPr>
+            </a:lvl7pPr>
+            <a:lvl8pPr marL="3429000" indent="-228600" algn="l" rtl="0" eaLnBrk="1" fontAlgn="base" hangingPunct="1">
+              <a:spcBef>
+                <a:spcPct val="20000"/>
+              </a:spcBef>
+              <a:spcAft>
+                <a:spcPct val="0"/>
+              </a:spcAft>
+              <a:buClr>
+                <a:schemeClr val="tx2"/>
+              </a:buClr>
+              <a:buSzPct val="80000"/>
+              <a:buFont typeface="Wingdings" pitchFamily="2" charset="2"/>
+              <a:buChar char="§"/>
+              <a:defRPr>
+                <a:solidFill>
+                  <a:schemeClr val="tx1"/>
+                </a:solidFill>
+                <a:latin typeface="+mn-lt"/>
+              </a:defRPr>
+            </a:lvl8pPr>
+            <a:lvl9pPr marL="3886200" indent="-228600" algn="l" rtl="0" eaLnBrk="1" fontAlgn="base" hangingPunct="1">
+              <a:spcBef>
+                <a:spcPct val="20000"/>
+              </a:spcBef>
+              <a:spcAft>
+                <a:spcPct val="0"/>
+              </a:spcAft>
+              <a:buClr>
+                <a:schemeClr val="tx2"/>
+              </a:buClr>
+              <a:buSzPct val="80000"/>
+              <a:buFont typeface="Wingdings" pitchFamily="2" charset="2"/>
+              <a:buChar char="§"/>
+              <a:defRPr>
+                <a:solidFill>
+                  <a:schemeClr val="tx1"/>
+                </a:solidFill>
+                <a:latin typeface="+mn-lt"/>
+              </a:defRPr>
+            </a:lvl9pPr>
+          </a:lstStyle>
+          <a:p>
+            <a:pPr marL="0" indent="0" algn="ctr">
+              <a:buNone/>
+            </a:pPr>
+            <a:r>
+              <a:rPr lang="pt-PT" sz="2400" kern="0" dirty="0">
+                <a:effectLst>
+                  <a:outerShdw blurRad="38100" dist="38100" dir="2700000" algn="tl">
+                    <a:srgbClr val="000000">
+                      <a:alpha val="43137"/>
+                    </a:srgbClr>
+                  </a:outerShdw>
+                </a:effectLst>
+              </a:rPr>
+              <a:t>Depois destes passos, já poderá usufruir dos serviços disponíveis sem ter que escrever o Email ou a Password, bastando efetuar o Login por uma das contas associadas.</a:t>
             </a:r>
           </a:p>
         </p:txBody>
@@ -6879,7 +7815,98 @@
     </p:spTree>
     <p:extLst>
       <p:ext uri="{BB962C8B-B14F-4D97-AF65-F5344CB8AC3E}">
-        <p14:creationId xmlns:p14="http://schemas.microsoft.com/office/powerpoint/2010/main" val="2207896625"/>
+        <p14:creationId xmlns:p14="http://schemas.microsoft.com/office/powerpoint/2010/main" val="2713521697"/>
+      </p:ext>
+    </p:extLst>
+  </p:cSld>
+  <p:clrMapOvr>
+    <a:masterClrMapping/>
+  </p:clrMapOvr>
+  <p:transition spd="med">
+    <p:fade/>
+  </p:transition>
+</p:sld>
+</file>
+
+<file path=ppt/slides/slide9.xml><?xml version="1.0" encoding="utf-8"?>
+<p:sld xmlns:a="http://schemas.openxmlformats.org/drawingml/2006/main" xmlns:r="http://schemas.openxmlformats.org/officeDocument/2006/relationships" xmlns:p="http://schemas.openxmlformats.org/presentationml/2006/main">
+  <p:cSld>
+    <p:spTree>
+      <p:nvGrpSpPr>
+        <p:cNvPr id="1" name=""/>
+        <p:cNvGrpSpPr/>
+        <p:nvPr/>
+      </p:nvGrpSpPr>
+      <p:grpSpPr>
+        <a:xfrm>
+          <a:off x="0" y="0"/>
+          <a:ext cx="0" cy="0"/>
+          <a:chOff x="0" y="0"/>
+          <a:chExt cx="0" cy="0"/>
+        </a:xfrm>
+      </p:grpSpPr>
+      <p:sp>
+        <p:nvSpPr>
+          <p:cNvPr id="18434" name="Rectangle 2"/>
+          <p:cNvSpPr>
+            <a:spLocks noGrp="1" noChangeArrowheads="1"/>
+          </p:cNvSpPr>
+          <p:nvPr>
+            <p:ph type="title"/>
+          </p:nvPr>
+        </p:nvSpPr>
+        <p:spPr/>
+        <p:txBody>
+          <a:bodyPr/>
+          <a:lstStyle/>
+          <a:p>
+            <a:pPr algn="ctr"/>
+            <a:r>
+              <a:rPr lang="pt-PT" b="1" dirty="0">
+                <a:effectLst>
+                  <a:outerShdw blurRad="38100" dist="38100" dir="2700000" algn="tl">
+                    <a:srgbClr val="000000">
+                      <a:alpha val="43137"/>
+                    </a:srgbClr>
+                  </a:outerShdw>
+                </a:effectLst>
+              </a:rPr>
+              <a:t>Conclusões e Trabalho Futuro</a:t>
+            </a:r>
+          </a:p>
+        </p:txBody>
+      </p:sp>
+      <p:sp>
+        <p:nvSpPr>
+          <p:cNvPr id="18435" name="Rectangle 3"/>
+          <p:cNvSpPr>
+            <a:spLocks noGrp="1" noChangeArrowheads="1"/>
+          </p:cNvSpPr>
+          <p:nvPr>
+            <p:ph type="body" idx="1"/>
+          </p:nvPr>
+        </p:nvSpPr>
+        <p:spPr/>
+        <p:txBody>
+          <a:bodyPr/>
+          <a:lstStyle/>
+          <a:p>
+            <a:endParaRPr lang="pt-PT" dirty="0">
+              <a:effectLst>
+                <a:outerShdw blurRad="38100" dist="38100" dir="2700000" algn="tl">
+                  <a:srgbClr val="000000">
+                    <a:alpha val="43137"/>
+                  </a:srgbClr>
+                </a:outerShdw>
+              </a:effectLst>
+            </a:endParaRPr>
+          </a:p>
+        </p:txBody>
+      </p:sp>
+    </p:spTree>
+    <p:extLst>
+      <p:ext uri="{BB962C8B-B14F-4D97-AF65-F5344CB8AC3E}">
+        <p14:creationId xmlns:p14="http://schemas.microsoft.com/office/powerpoint/2010/main" val="833438028"/>
       </p:ext>
     </p:extLst>
   </p:cSld>
